--- a/_book/plot/pro-survey-q16-bar-1.pptx
+++ b/_book/plot/pro-survey-q16-bar-1.pptx
@@ -3218,7 +3218,7 @@
           </p:nvSpPr>
           <p:spPr>
             <a:xfrm>
-              <a:off x="4344500" y="1590617"/>
+              <a:off x="4114353" y="1590617"/>
               <a:ext cx="0" cy="4048310"/>
             </a:xfrm>
             <a:custGeom>
@@ -3261,7 +3261,7 @@
           </p:nvSpPr>
           <p:spPr>
             <a:xfrm>
-              <a:off x="6093193" y="1590617"/>
+              <a:off x="5402753" y="1590617"/>
               <a:ext cx="0" cy="4048310"/>
             </a:xfrm>
             <a:custGeom>
@@ -3304,7 +3304,7 @@
           </p:nvSpPr>
           <p:spPr>
             <a:xfrm>
-              <a:off x="7841886" y="1590617"/>
+              <a:off x="6691153" y="1590617"/>
               <a:ext cx="0" cy="4048310"/>
             </a:xfrm>
             <a:custGeom>
@@ -3347,6 +3347,49 @@
           </p:nvSpPr>
           <p:spPr>
             <a:xfrm>
+              <a:off x="7979553" y="1590617"/>
+              <a:ext cx="0" cy="4048310"/>
+            </a:xfrm>
+            <a:custGeom>
+              <a:avLst/>
+              <a:pathLst>
+                <a:path w="0" h="4048310">
+                  <a:moveTo>
+                    <a:pt x="0" y="4048310"/>
+                  </a:moveTo>
+                  <a:lnTo>
+                    <a:pt x="0" y="0"/>
+                  </a:lnTo>
+                  <a:lnTo>
+                    <a:pt x="0" y="0"/>
+                  </a:lnTo>
+                </a:path>
+              </a:pathLst>
+            </a:custGeom>
+            <a:ln w="3387" cap="flat">
+              <a:solidFill>
+                <a:srgbClr val="DEDEDE">
+                  <a:alpha val="100000"/>
+                </a:srgbClr>
+              </a:solidFill>
+              <a:prstDash val="solid"/>
+              <a:round/>
+            </a:ln>
+          </p:spPr>
+          <p:txBody>
+            <a:bodyPr/>
+            <a:lstStyle/>
+            <a:p/>
+          </p:txBody>
+        </p:sp>
+        <p:sp>
+          <p:nvSpPr>
+            <p:cNvPr id="10" name="pl10"/>
+            <p:cNvSpPr/>
+            <p:nvPr/>
+          </p:nvSpPr>
+          <p:spPr>
+            <a:xfrm>
               <a:off x="3470153" y="5301568"/>
               <a:ext cx="5466938" cy="0"/>
             </a:xfrm>
@@ -3384,7 +3427,7 @@
         </p:sp>
         <p:sp>
           <p:nvSpPr>
-            <p:cNvPr id="10" name="pl10"/>
+            <p:cNvPr id="11" name="pl11"/>
             <p:cNvSpPr/>
             <p:nvPr/>
           </p:nvSpPr>
@@ -3427,7 +3470,7 @@
         </p:sp>
         <p:sp>
           <p:nvSpPr>
-            <p:cNvPr id="11" name="pl11"/>
+            <p:cNvPr id="12" name="pl12"/>
             <p:cNvSpPr/>
             <p:nvPr/>
           </p:nvSpPr>
@@ -3470,7 +3513,7 @@
         </p:sp>
         <p:sp>
           <p:nvSpPr>
-            <p:cNvPr id="12" name="pl12"/>
+            <p:cNvPr id="13" name="pl13"/>
             <p:cNvSpPr/>
             <p:nvPr/>
           </p:nvSpPr>
@@ -3513,7 +3556,7 @@
         </p:sp>
         <p:sp>
           <p:nvSpPr>
-            <p:cNvPr id="13" name="pl13"/>
+            <p:cNvPr id="14" name="pl14"/>
             <p:cNvSpPr/>
             <p:nvPr/>
           </p:nvSpPr>
@@ -3556,7 +3599,7 @@
         </p:sp>
         <p:sp>
           <p:nvSpPr>
-            <p:cNvPr id="14" name="pl14"/>
+            <p:cNvPr id="15" name="pl15"/>
             <p:cNvSpPr/>
             <p:nvPr/>
           </p:nvSpPr>
@@ -3599,7 +3642,7 @@
         </p:sp>
         <p:sp>
           <p:nvSpPr>
-            <p:cNvPr id="15" name="pl15"/>
+            <p:cNvPr id="16" name="pl16"/>
             <p:cNvSpPr/>
             <p:nvPr/>
           </p:nvSpPr>
@@ -3642,7 +3685,7 @@
         </p:sp>
         <p:sp>
           <p:nvSpPr>
-            <p:cNvPr id="16" name="pl16"/>
+            <p:cNvPr id="17" name="pl17"/>
             <p:cNvSpPr/>
             <p:nvPr/>
           </p:nvSpPr>
@@ -3685,56 +3728,13 @@
         </p:sp>
         <p:sp>
           <p:nvSpPr>
-            <p:cNvPr id="17" name="pl17"/>
-            <p:cNvSpPr/>
-            <p:nvPr/>
-          </p:nvSpPr>
-          <p:spPr>
-            <a:xfrm>
-              <a:off x="5218846" y="1590617"/>
-              <a:ext cx="0" cy="4048310"/>
-            </a:xfrm>
-            <a:custGeom>
-              <a:avLst/>
-              <a:pathLst>
-                <a:path w="0" h="4048310">
-                  <a:moveTo>
-                    <a:pt x="0" y="4048310"/>
-                  </a:moveTo>
-                  <a:lnTo>
-                    <a:pt x="0" y="0"/>
-                  </a:lnTo>
-                  <a:lnTo>
-                    <a:pt x="0" y="0"/>
-                  </a:lnTo>
-                </a:path>
-              </a:pathLst>
-            </a:custGeom>
-            <a:ln w="6775" cap="flat">
-              <a:solidFill>
-                <a:srgbClr val="DEDEDE">
-                  <a:alpha val="100000"/>
-                </a:srgbClr>
-              </a:solidFill>
-              <a:prstDash val="solid"/>
-              <a:round/>
-            </a:ln>
-          </p:spPr>
-          <p:txBody>
-            <a:bodyPr/>
-            <a:lstStyle/>
-            <a:p/>
-          </p:txBody>
-        </p:sp>
-        <p:sp>
-          <p:nvSpPr>
             <p:cNvPr id="18" name="pl18"/>
             <p:cNvSpPr/>
             <p:nvPr/>
           </p:nvSpPr>
           <p:spPr>
             <a:xfrm>
-              <a:off x="6967539" y="1590617"/>
+              <a:off x="4758553" y="1590617"/>
               <a:ext cx="0" cy="4048310"/>
             </a:xfrm>
             <a:custGeom>
@@ -3777,7 +3777,7 @@
           </p:nvSpPr>
           <p:spPr>
             <a:xfrm>
-              <a:off x="8716232" y="1590617"/>
+              <a:off x="6046953" y="1590617"/>
               <a:ext cx="0" cy="4048310"/>
             </a:xfrm>
             <a:custGeom>
@@ -3814,7 +3814,93 @@
         </p:sp>
         <p:sp>
           <p:nvSpPr>
-            <p:cNvPr id="20" name="rc20"/>
+            <p:cNvPr id="20" name="pl20"/>
+            <p:cNvSpPr/>
+            <p:nvPr/>
+          </p:nvSpPr>
+          <p:spPr>
+            <a:xfrm>
+              <a:off x="7335353" y="1590617"/>
+              <a:ext cx="0" cy="4048310"/>
+            </a:xfrm>
+            <a:custGeom>
+              <a:avLst/>
+              <a:pathLst>
+                <a:path w="0" h="4048310">
+                  <a:moveTo>
+                    <a:pt x="0" y="4048310"/>
+                  </a:moveTo>
+                  <a:lnTo>
+                    <a:pt x="0" y="0"/>
+                  </a:lnTo>
+                  <a:lnTo>
+                    <a:pt x="0" y="0"/>
+                  </a:lnTo>
+                </a:path>
+              </a:pathLst>
+            </a:custGeom>
+            <a:ln w="6775" cap="flat">
+              <a:solidFill>
+                <a:srgbClr val="DEDEDE">
+                  <a:alpha val="100000"/>
+                </a:srgbClr>
+              </a:solidFill>
+              <a:prstDash val="solid"/>
+              <a:round/>
+            </a:ln>
+          </p:spPr>
+          <p:txBody>
+            <a:bodyPr/>
+            <a:lstStyle/>
+            <a:p/>
+          </p:txBody>
+        </p:sp>
+        <p:sp>
+          <p:nvSpPr>
+            <p:cNvPr id="21" name="pl21"/>
+            <p:cNvSpPr/>
+            <p:nvPr/>
+          </p:nvSpPr>
+          <p:spPr>
+            <a:xfrm>
+              <a:off x="8623753" y="1590617"/>
+              <a:ext cx="0" cy="4048310"/>
+            </a:xfrm>
+            <a:custGeom>
+              <a:avLst/>
+              <a:pathLst>
+                <a:path w="0" h="4048310">
+                  <a:moveTo>
+                    <a:pt x="0" y="4048310"/>
+                  </a:moveTo>
+                  <a:lnTo>
+                    <a:pt x="0" y="0"/>
+                  </a:lnTo>
+                  <a:lnTo>
+                    <a:pt x="0" y="0"/>
+                  </a:lnTo>
+                </a:path>
+              </a:pathLst>
+            </a:custGeom>
+            <a:ln w="6775" cap="flat">
+              <a:solidFill>
+                <a:srgbClr val="DEDEDE">
+                  <a:alpha val="100000"/>
+                </a:srgbClr>
+              </a:solidFill>
+              <a:prstDash val="solid"/>
+              <a:round/>
+            </a:ln>
+          </p:spPr>
+          <p:txBody>
+            <a:bodyPr/>
+            <a:lstStyle/>
+            <a:p/>
+          </p:txBody>
+        </p:sp>
+        <p:sp>
+          <p:nvSpPr>
+            <p:cNvPr id="22" name="rc22"/>
             <p:cNvSpPr/>
             <p:nvPr/>
           </p:nvSpPr>
@@ -3840,66 +3926,14 @@
         </p:sp>
         <p:sp>
           <p:nvSpPr>
-            <p:cNvPr id="21" name="rc21"/>
+            <p:cNvPr id="23" name="rc23"/>
             <p:cNvSpPr/>
             <p:nvPr/>
           </p:nvSpPr>
           <p:spPr>
             <a:xfrm>
               <a:off x="3470153" y="2237222"/>
-              <a:ext cx="4301784" cy="506038"/>
-            </a:xfrm>
-            <a:prstGeom prst="rect">
-              <a:avLst/>
-            </a:prstGeom>
-            <a:solidFill>
-              <a:srgbClr val="595959">
-                <a:alpha val="100000"/>
-              </a:srgbClr>
-            </a:solidFill>
-          </p:spPr>
-          <p:txBody>
-            <a:bodyPr/>
-            <a:lstStyle/>
-            <a:p/>
-          </p:txBody>
-        </p:sp>
-        <p:sp>
-          <p:nvSpPr>
-            <p:cNvPr id="22" name="rc22"/>
-            <p:cNvSpPr/>
-            <p:nvPr/>
-          </p:nvSpPr>
-          <p:spPr>
-            <a:xfrm>
-              <a:off x="3470153" y="2799487"/>
-              <a:ext cx="4240580" cy="506038"/>
-            </a:xfrm>
-            <a:prstGeom prst="rect">
-              <a:avLst/>
-            </a:prstGeom>
-            <a:solidFill>
-              <a:srgbClr val="595959">
-                <a:alpha val="100000"/>
-              </a:srgbClr>
-            </a:solidFill>
-          </p:spPr>
-          <p:txBody>
-            <a:bodyPr/>
-            <a:lstStyle/>
-            <a:p/>
-          </p:txBody>
-        </p:sp>
-        <p:sp>
-          <p:nvSpPr>
-            <p:cNvPr id="23" name="rc23"/>
-            <p:cNvSpPr/>
-            <p:nvPr/>
-          </p:nvSpPr>
-          <p:spPr>
-            <a:xfrm>
-              <a:off x="3470153" y="3361753"/>
-              <a:ext cx="3549846" cy="506038"/>
+              <a:ext cx="4348349" cy="506038"/>
             </a:xfrm>
             <a:prstGeom prst="rect">
               <a:avLst/>
@@ -3924,8 +3958,8 @@
           </p:nvSpPr>
           <p:spPr>
             <a:xfrm>
-              <a:off x="3470153" y="3924018"/>
-              <a:ext cx="3025238" cy="506038"/>
+              <a:off x="3470153" y="2799487"/>
+              <a:ext cx="4348349" cy="506038"/>
             </a:xfrm>
             <a:prstGeom prst="rect">
               <a:avLst/>
@@ -3950,8 +3984,8 @@
           </p:nvSpPr>
           <p:spPr>
             <a:xfrm>
-              <a:off x="3470153" y="4486283"/>
-              <a:ext cx="2553091" cy="506038"/>
+              <a:off x="3470153" y="3361753"/>
+              <a:ext cx="3659055" cy="506038"/>
             </a:xfrm>
             <a:prstGeom prst="rect">
               <a:avLst/>
@@ -3976,8 +4010,8 @@
           </p:nvSpPr>
           <p:spPr>
             <a:xfrm>
-              <a:off x="3470153" y="5048549"/>
-              <a:ext cx="69947" cy="506038"/>
+              <a:off x="3470153" y="3924018"/>
+              <a:ext cx="3085717" cy="506038"/>
             </a:xfrm>
             <a:prstGeom prst="rect">
               <a:avLst/>
@@ -3996,13 +4030,111 @@
         </p:sp>
         <p:sp>
           <p:nvSpPr>
-            <p:cNvPr id="27" name="tx27"/>
+            <p:cNvPr id="27" name="rc27"/>
             <p:cNvSpPr/>
             <p:nvPr/>
           </p:nvSpPr>
           <p:spPr>
             <a:xfrm>
-              <a:off x="8516783" y="1872016"/>
+              <a:off x="3470153" y="4486283"/>
+              <a:ext cx="2634777" cy="506038"/>
+            </a:xfrm>
+            <a:prstGeom prst="rect">
+              <a:avLst/>
+            </a:prstGeom>
+            <a:solidFill>
+              <a:srgbClr val="595959">
+                <a:alpha val="100000"/>
+              </a:srgbClr>
+            </a:solidFill>
+          </p:spPr>
+          <p:txBody>
+            <a:bodyPr/>
+            <a:lstStyle/>
+            <a:p/>
+          </p:txBody>
+        </p:sp>
+        <p:sp>
+          <p:nvSpPr>
+            <p:cNvPr id="28" name="rc28"/>
+            <p:cNvSpPr/>
+            <p:nvPr/>
+          </p:nvSpPr>
+          <p:spPr>
+            <a:xfrm>
+              <a:off x="3470153" y="5048549"/>
+              <a:ext cx="70861" cy="506038"/>
+            </a:xfrm>
+            <a:prstGeom prst="rect">
+              <a:avLst/>
+            </a:prstGeom>
+            <a:solidFill>
+              <a:srgbClr val="595959">
+                <a:alpha val="100000"/>
+              </a:srgbClr>
+            </a:solidFill>
+          </p:spPr>
+          <p:txBody>
+            <a:bodyPr/>
+            <a:lstStyle/>
+            <a:p/>
+          </p:txBody>
+        </p:sp>
+        <p:sp>
+          <p:nvSpPr>
+            <p:cNvPr id="29" name="tx29"/>
+            <p:cNvSpPr/>
+            <p:nvPr/>
+          </p:nvSpPr>
+          <p:spPr>
+            <a:xfrm>
+              <a:off x="8516806" y="1871963"/>
+              <a:ext cx="180869" cy="79292"/>
+            </a:xfrm>
+            <a:prstGeom prst="rect">
+              <a:avLst/>
+            </a:prstGeom>
+            <a:noFill/>
+          </p:spPr>
+          <p:txBody>
+            <a:bodyPr lIns="0" rIns="0" tIns="0" bIns="0" anchorCtr="1" anchor="ctr" wrap="none"/>
+            <a:lstStyle/>
+            <a:p>
+              <a:pPr algn="l" marL="0" marR="0" indent="0">
+                <a:lnSpc>
+                  <a:spcPts val="853"/>
+                </a:lnSpc>
+                <a:spcBef>
+                  <a:spcPts val="0"/>
+                </a:spcBef>
+                <a:spcAft>
+                  <a:spcPts val="0"/>
+                </a:spcAft>
+              </a:pPr>
+              <a:r>
+                <a:rPr sz="853" b="1">
+                  <a:solidFill>
+                    <a:srgbClr val="FFFFFF">
+                      <a:alpha val="100000"/>
+                    </a:srgbClr>
+                  </a:solidFill>
+                  <a:latin typeface="Arial"/>
+                  <a:cs typeface="Arial"/>
+                </a:rPr>
+                <a:t>832</a:t>
+              </a:r>
+            </a:p>
+          </p:txBody>
+        </p:sp>
+        <p:sp>
+          <p:nvSpPr>
+            <p:cNvPr id="30" name="tx30"/>
+            <p:cNvSpPr/>
+            <p:nvPr/>
+          </p:nvSpPr>
+          <p:spPr>
+            <a:xfrm>
+              <a:off x="7505412" y="2434281"/>
               <a:ext cx="180869" cy="79239"/>
             </a:xfrm>
             <a:prstGeom prst="rect">
@@ -4035,20 +4167,66 @@
                   <a:latin typeface="Arial"/>
                   <a:cs typeface="Arial"/>
                 </a:rPr>
-                <a:t>613</a:t>
+                <a:t>675</a:t>
               </a:r>
             </a:p>
           </p:txBody>
         </p:sp>
         <p:sp>
           <p:nvSpPr>
-            <p:cNvPr id="28" name="tx28"/>
+            <p:cNvPr id="31" name="tx31"/>
             <p:cNvSpPr/>
             <p:nvPr/>
           </p:nvSpPr>
           <p:spPr>
             <a:xfrm>
-              <a:off x="7458824" y="2434229"/>
+              <a:off x="7505412" y="2996547"/>
+              <a:ext cx="180869" cy="79239"/>
+            </a:xfrm>
+            <a:prstGeom prst="rect">
+              <a:avLst/>
+            </a:prstGeom>
+            <a:noFill/>
+          </p:spPr>
+          <p:txBody>
+            <a:bodyPr lIns="0" rIns="0" tIns="0" bIns="0" anchorCtr="1" anchor="ctr" wrap="none"/>
+            <a:lstStyle/>
+            <a:p>
+              <a:pPr algn="l" marL="0" marR="0" indent="0">
+                <a:lnSpc>
+                  <a:spcPts val="853"/>
+                </a:lnSpc>
+                <a:spcBef>
+                  <a:spcPts val="0"/>
+                </a:spcBef>
+                <a:spcAft>
+                  <a:spcPts val="0"/>
+                </a:spcAft>
+              </a:pPr>
+              <a:r>
+                <a:rPr sz="853" b="1">
+                  <a:solidFill>
+                    <a:srgbClr val="FFFFFF">
+                      <a:alpha val="100000"/>
+                    </a:srgbClr>
+                  </a:solidFill>
+                  <a:latin typeface="Arial"/>
+                  <a:cs typeface="Arial"/>
+                </a:rPr>
+                <a:t>675</a:t>
+              </a:r>
+            </a:p>
+          </p:txBody>
+        </p:sp>
+        <p:sp>
+          <p:nvSpPr>
+            <p:cNvPr id="32" name="tx32"/>
+            <p:cNvSpPr/>
+            <p:nvPr/>
+          </p:nvSpPr>
+          <p:spPr>
+            <a:xfrm>
+              <a:off x="6816118" y="3558759"/>
               <a:ext cx="180869" cy="79292"/>
             </a:xfrm>
             <a:prstGeom prst="rect">
@@ -4081,20 +4259,20 @@
                   <a:latin typeface="Arial"/>
                   <a:cs typeface="Arial"/>
                 </a:rPr>
-                <a:t>492</a:t>
+                <a:t>568</a:t>
               </a:r>
             </a:p>
           </p:txBody>
         </p:sp>
         <p:sp>
           <p:nvSpPr>
-            <p:cNvPr id="29" name="tx29"/>
+            <p:cNvPr id="33" name="tx33"/>
             <p:cNvSpPr/>
             <p:nvPr/>
           </p:nvSpPr>
           <p:spPr>
             <a:xfrm>
-              <a:off x="7397620" y="2996494"/>
+              <a:off x="6242780" y="4121025"/>
               <a:ext cx="180869" cy="79292"/>
             </a:xfrm>
             <a:prstGeom prst="rect">
@@ -4127,112 +4305,20 @@
                   <a:latin typeface="Arial"/>
                   <a:cs typeface="Arial"/>
                 </a:rPr>
-                <a:t>485</a:t>
+                <a:t>479</a:t>
               </a:r>
             </a:p>
           </p:txBody>
         </p:sp>
         <p:sp>
           <p:nvSpPr>
-            <p:cNvPr id="30" name="tx30"/>
+            <p:cNvPr id="34" name="tx34"/>
             <p:cNvSpPr/>
             <p:nvPr/>
           </p:nvSpPr>
           <p:spPr>
             <a:xfrm>
-              <a:off x="6706886" y="3558812"/>
-              <a:ext cx="180869" cy="79239"/>
-            </a:xfrm>
-            <a:prstGeom prst="rect">
-              <a:avLst/>
-            </a:prstGeom>
-            <a:noFill/>
-          </p:spPr>
-          <p:txBody>
-            <a:bodyPr lIns="0" rIns="0" tIns="0" bIns="0" anchorCtr="1" anchor="ctr" wrap="none"/>
-            <a:lstStyle/>
-            <a:p>
-              <a:pPr algn="l" marL="0" marR="0" indent="0">
-                <a:lnSpc>
-                  <a:spcPts val="853"/>
-                </a:lnSpc>
-                <a:spcBef>
-                  <a:spcPts val="0"/>
-                </a:spcBef>
-                <a:spcAft>
-                  <a:spcPts val="0"/>
-                </a:spcAft>
-              </a:pPr>
-              <a:r>
-                <a:rPr sz="853" b="1">
-                  <a:solidFill>
-                    <a:srgbClr val="FFFFFF">
-                      <a:alpha val="100000"/>
-                    </a:srgbClr>
-                  </a:solidFill>
-                  <a:latin typeface="Arial"/>
-                  <a:cs typeface="Arial"/>
-                </a:rPr>
-                <a:t>406</a:t>
-              </a:r>
-            </a:p>
-          </p:txBody>
-        </p:sp>
-        <p:sp>
-          <p:nvSpPr>
-            <p:cNvPr id="31" name="tx31"/>
-            <p:cNvSpPr/>
-            <p:nvPr/>
-          </p:nvSpPr>
-          <p:spPr>
-            <a:xfrm>
-              <a:off x="6182278" y="4121078"/>
-              <a:ext cx="180869" cy="79239"/>
-            </a:xfrm>
-            <a:prstGeom prst="rect">
-              <a:avLst/>
-            </a:prstGeom>
-            <a:noFill/>
-          </p:spPr>
-          <p:txBody>
-            <a:bodyPr lIns="0" rIns="0" tIns="0" bIns="0" anchorCtr="1" anchor="ctr" wrap="none"/>
-            <a:lstStyle/>
-            <a:p>
-              <a:pPr algn="l" marL="0" marR="0" indent="0">
-                <a:lnSpc>
-                  <a:spcPts val="853"/>
-                </a:lnSpc>
-                <a:spcBef>
-                  <a:spcPts val="0"/>
-                </a:spcBef>
-                <a:spcAft>
-                  <a:spcPts val="0"/>
-                </a:spcAft>
-              </a:pPr>
-              <a:r>
-                <a:rPr sz="853" b="1">
-                  <a:solidFill>
-                    <a:srgbClr val="FFFFFF">
-                      <a:alpha val="100000"/>
-                    </a:srgbClr>
-                  </a:solidFill>
-                  <a:latin typeface="Arial"/>
-                  <a:cs typeface="Arial"/>
-                </a:rPr>
-                <a:t>346</a:t>
-              </a:r>
-            </a:p>
-          </p:txBody>
-        </p:sp>
-        <p:sp>
-          <p:nvSpPr>
-            <p:cNvPr id="32" name="tx32"/>
-            <p:cNvSpPr/>
-            <p:nvPr/>
-          </p:nvSpPr>
-          <p:spPr>
-            <a:xfrm>
-              <a:off x="6155490" y="4698863"/>
+              <a:off x="6237153" y="4698863"/>
               <a:ext cx="180869" cy="79239"/>
             </a:xfrm>
             <a:prstGeom prst="rect">
@@ -4265,21 +4351,21 @@
                   <a:latin typeface="Arial"/>
                   <a:cs typeface="Arial"/>
                 </a:rPr>
-                <a:t>292</a:t>
+                <a:t>409</a:t>
               </a:r>
             </a:p>
           </p:txBody>
         </p:sp>
         <p:sp>
           <p:nvSpPr>
-            <p:cNvPr id="33" name="tx33"/>
+            <p:cNvPr id="35" name="tx35"/>
             <p:cNvSpPr/>
             <p:nvPr/>
           </p:nvSpPr>
           <p:spPr>
             <a:xfrm>
-              <a:off x="3672346" y="5261128"/>
-              <a:ext cx="60289" cy="79239"/>
+              <a:off x="3673237" y="5262451"/>
+              <a:ext cx="120579" cy="77916"/>
             </a:xfrm>
             <a:prstGeom prst="rect">
               <a:avLst/>
@@ -4311,14 +4397,14 @@
                   <a:latin typeface="Arial"/>
                   <a:cs typeface="Arial"/>
                 </a:rPr>
-                <a:t>8</a:t>
+                <a:t>11</a:t>
               </a:r>
             </a:p>
           </p:txBody>
         </p:sp>
         <p:sp>
           <p:nvSpPr>
-            <p:cNvPr id="34" name="rc34"/>
+            <p:cNvPr id="36" name="rc36"/>
             <p:cNvSpPr/>
             <p:nvPr/>
           </p:nvSpPr>
@@ -4348,7 +4434,7 @@
         </p:sp>
         <p:sp>
           <p:nvSpPr>
-            <p:cNvPr id="35" name="tx35"/>
+            <p:cNvPr id="37" name="tx37"/>
             <p:cNvSpPr/>
             <p:nvPr/>
           </p:nvSpPr>
@@ -4394,7 +4480,7 @@
         </p:sp>
         <p:sp>
           <p:nvSpPr>
-            <p:cNvPr id="36" name="tx36"/>
+            <p:cNvPr id="38" name="tx38"/>
             <p:cNvSpPr/>
             <p:nvPr/>
           </p:nvSpPr>
@@ -4440,7 +4526,7 @@
         </p:sp>
         <p:sp>
           <p:nvSpPr>
-            <p:cNvPr id="37" name="tx37"/>
+            <p:cNvPr id="39" name="tx39"/>
             <p:cNvSpPr/>
             <p:nvPr/>
           </p:nvSpPr>
@@ -4486,7 +4572,7 @@
         </p:sp>
         <p:sp>
           <p:nvSpPr>
-            <p:cNvPr id="38" name="tx38"/>
+            <p:cNvPr id="40" name="tx40"/>
             <p:cNvSpPr/>
             <p:nvPr/>
           </p:nvSpPr>
@@ -4532,13 +4618,59 @@
         </p:sp>
         <p:sp>
           <p:nvSpPr>
-            <p:cNvPr id="39" name="tx39"/>
+            <p:cNvPr id="41" name="tx41"/>
             <p:cNvSpPr/>
             <p:nvPr/>
           </p:nvSpPr>
           <p:spPr>
             <a:xfrm>
-              <a:off x="2345699" y="3022657"/>
+              <a:off x="2429519" y="3022657"/>
+              <a:ext cx="1005839" cy="69850"/>
+            </a:xfrm>
+            <a:prstGeom prst="rect">
+              <a:avLst/>
+            </a:prstGeom>
+            <a:noFill/>
+          </p:spPr>
+          <p:txBody>
+            <a:bodyPr lIns="0" rIns="0" tIns="0" bIns="0" anchorCtr="1" anchor="ctr" wrap="none"/>
+            <a:lstStyle/>
+            <a:p>
+              <a:pPr algn="l" marL="0" marR="0" indent="0">
+                <a:lnSpc>
+                  <a:spcPts val="880"/>
+                </a:lnSpc>
+                <a:spcBef>
+                  <a:spcPts val="0"/>
+                </a:spcBef>
+                <a:spcAft>
+                  <a:spcPts val="0"/>
+                </a:spcAft>
+              </a:pPr>
+              <a:r>
+                <a:rPr sz="880" b="1">
+                  <a:solidFill>
+                    <a:srgbClr val="4D4D4D">
+                      <a:alpha val="100000"/>
+                    </a:srgbClr>
+                  </a:solidFill>
+                  <a:latin typeface="Arial"/>
+                  <a:cs typeface="Arial"/>
+                </a:rPr>
+                <a:t>缺乏循证证据就去宣称功能</a:t>
+              </a:r>
+            </a:p>
+          </p:txBody>
+        </p:sp>
+        <p:sp>
+          <p:nvSpPr>
+            <p:cNvPr id="42" name="tx42"/>
+            <p:cNvSpPr/>
+            <p:nvPr/>
+          </p:nvSpPr>
+          <p:spPr>
+            <a:xfrm>
+              <a:off x="2345699" y="2460391"/>
               <a:ext cx="1089659" cy="69850"/>
             </a:xfrm>
             <a:prstGeom prst="rect">
@@ -4578,53 +4710,7 @@
         </p:sp>
         <p:sp>
           <p:nvSpPr>
-            <p:cNvPr id="40" name="tx40"/>
-            <p:cNvSpPr/>
-            <p:nvPr/>
-          </p:nvSpPr>
-          <p:spPr>
-            <a:xfrm>
-              <a:off x="2429519" y="2460391"/>
-              <a:ext cx="1005839" cy="69850"/>
-            </a:xfrm>
-            <a:prstGeom prst="rect">
-              <a:avLst/>
-            </a:prstGeom>
-            <a:noFill/>
-          </p:spPr>
-          <p:txBody>
-            <a:bodyPr lIns="0" rIns="0" tIns="0" bIns="0" anchorCtr="1" anchor="ctr" wrap="none"/>
-            <a:lstStyle/>
-            <a:p>
-              <a:pPr algn="l" marL="0" marR="0" indent="0">
-                <a:lnSpc>
-                  <a:spcPts val="880"/>
-                </a:lnSpc>
-                <a:spcBef>
-                  <a:spcPts val="0"/>
-                </a:spcBef>
-                <a:spcAft>
-                  <a:spcPts val="0"/>
-                </a:spcAft>
-              </a:pPr>
-              <a:r>
-                <a:rPr sz="880" b="1">
-                  <a:solidFill>
-                    <a:srgbClr val="4D4D4D">
-                      <a:alpha val="100000"/>
-                    </a:srgbClr>
-                  </a:solidFill>
-                  <a:latin typeface="Arial"/>
-                  <a:cs typeface="Arial"/>
-                </a:rPr>
-                <a:t>缺乏循证证据就去宣称功能</a:t>
-              </a:r>
-            </a:p>
-          </p:txBody>
-        </p:sp>
-        <p:sp>
-          <p:nvSpPr>
-            <p:cNvPr id="41" name="tx41"/>
+            <p:cNvPr id="43" name="tx43"/>
             <p:cNvSpPr/>
             <p:nvPr/>
           </p:nvSpPr>
@@ -4670,7 +4756,7 @@
         </p:sp>
         <p:sp>
           <p:nvSpPr>
-            <p:cNvPr id="42" name="pl42"/>
+            <p:cNvPr id="44" name="pl44"/>
             <p:cNvSpPr/>
             <p:nvPr/>
           </p:nvSpPr>
@@ -4710,7 +4796,7 @@
         </p:sp>
         <p:sp>
           <p:nvSpPr>
-            <p:cNvPr id="43" name="pl43"/>
+            <p:cNvPr id="45" name="pl45"/>
             <p:cNvSpPr/>
             <p:nvPr/>
           </p:nvSpPr>
@@ -4750,7 +4836,7 @@
         </p:sp>
         <p:sp>
           <p:nvSpPr>
-            <p:cNvPr id="44" name="pl44"/>
+            <p:cNvPr id="46" name="pl46"/>
             <p:cNvSpPr/>
             <p:nvPr/>
           </p:nvSpPr>
@@ -4790,7 +4876,7 @@
         </p:sp>
         <p:sp>
           <p:nvSpPr>
-            <p:cNvPr id="45" name="pl45"/>
+            <p:cNvPr id="47" name="pl47"/>
             <p:cNvSpPr/>
             <p:nvPr/>
           </p:nvSpPr>
@@ -4830,7 +4916,7 @@
         </p:sp>
         <p:sp>
           <p:nvSpPr>
-            <p:cNvPr id="46" name="pl46"/>
+            <p:cNvPr id="48" name="pl48"/>
             <p:cNvSpPr/>
             <p:nvPr/>
           </p:nvSpPr>
@@ -4870,7 +4956,7 @@
         </p:sp>
         <p:sp>
           <p:nvSpPr>
-            <p:cNvPr id="47" name="pl47"/>
+            <p:cNvPr id="49" name="pl49"/>
             <p:cNvSpPr/>
             <p:nvPr/>
           </p:nvSpPr>
@@ -4910,7 +4996,7 @@
         </p:sp>
         <p:sp>
           <p:nvSpPr>
-            <p:cNvPr id="48" name="pl48"/>
+            <p:cNvPr id="50" name="pl50"/>
             <p:cNvSpPr/>
             <p:nvPr/>
           </p:nvSpPr>
@@ -4950,7 +5036,7 @@
         </p:sp>
         <p:sp>
           <p:nvSpPr>
-            <p:cNvPr id="49" name="pl49"/>
+            <p:cNvPr id="51" name="pl51"/>
             <p:cNvSpPr/>
             <p:nvPr/>
           </p:nvSpPr>
@@ -4990,13 +5076,13 @@
         </p:sp>
         <p:sp>
           <p:nvSpPr>
-            <p:cNvPr id="50" name="pl50"/>
+            <p:cNvPr id="52" name="pl52"/>
             <p:cNvSpPr/>
             <p:nvPr/>
           </p:nvSpPr>
           <p:spPr>
             <a:xfrm>
-              <a:off x="5218846" y="5638927"/>
+              <a:off x="4758553" y="5638927"/>
               <a:ext cx="0" cy="34794"/>
             </a:xfrm>
             <a:custGeom>
@@ -5030,13 +5116,13 @@
         </p:sp>
         <p:sp>
           <p:nvSpPr>
-            <p:cNvPr id="51" name="pl51"/>
+            <p:cNvPr id="53" name="pl53"/>
             <p:cNvSpPr/>
             <p:nvPr/>
           </p:nvSpPr>
           <p:spPr>
             <a:xfrm>
-              <a:off x="6967539" y="5638927"/>
+              <a:off x="6046953" y="5638927"/>
               <a:ext cx="0" cy="34794"/>
             </a:xfrm>
             <a:custGeom>
@@ -5070,13 +5156,13 @@
         </p:sp>
         <p:sp>
           <p:nvSpPr>
-            <p:cNvPr id="52" name="pl52"/>
+            <p:cNvPr id="54" name="pl54"/>
             <p:cNvSpPr/>
             <p:nvPr/>
           </p:nvSpPr>
           <p:spPr>
             <a:xfrm>
-              <a:off x="8716232" y="5638927"/>
+              <a:off x="7335353" y="5638927"/>
               <a:ext cx="0" cy="34794"/>
             </a:xfrm>
             <a:custGeom>
@@ -5110,7 +5196,47 @@
         </p:sp>
         <p:sp>
           <p:nvSpPr>
-            <p:cNvPr id="53" name="tx53"/>
+            <p:cNvPr id="55" name="pl55"/>
+            <p:cNvSpPr/>
+            <p:nvPr/>
+          </p:nvSpPr>
+          <p:spPr>
+            <a:xfrm>
+              <a:off x="8623753" y="5638927"/>
+              <a:ext cx="0" cy="34794"/>
+            </a:xfrm>
+            <a:custGeom>
+              <a:avLst/>
+              <a:pathLst>
+                <a:path w="0" h="34794">
+                  <a:moveTo>
+                    <a:pt x="0" y="34794"/>
+                  </a:moveTo>
+                  <a:lnTo>
+                    <a:pt x="0" y="0"/>
+                  </a:lnTo>
+                </a:path>
+              </a:pathLst>
+            </a:custGeom>
+            <a:ln w="6775" cap="flat">
+              <a:solidFill>
+                <a:srgbClr val="B3B3B3">
+                  <a:alpha val="100000"/>
+                </a:srgbClr>
+              </a:solidFill>
+              <a:prstDash val="solid"/>
+              <a:round/>
+            </a:ln>
+          </p:spPr>
+          <p:txBody>
+            <a:bodyPr/>
+            <a:lstStyle/>
+            <a:p/>
+          </p:txBody>
+        </p:sp>
+        <p:sp>
+          <p:nvSpPr>
+            <p:cNvPr id="56" name="tx56"/>
             <p:cNvSpPr/>
             <p:nvPr/>
           </p:nvSpPr>
@@ -5156,13 +5282,13 @@
         </p:sp>
         <p:sp>
           <p:nvSpPr>
-            <p:cNvPr id="54" name="tx54"/>
+            <p:cNvPr id="57" name="tx57"/>
             <p:cNvSpPr/>
             <p:nvPr/>
           </p:nvSpPr>
           <p:spPr>
             <a:xfrm>
-              <a:off x="5125613" y="5699866"/>
+              <a:off x="4665320" y="5699866"/>
               <a:ext cx="186466" cy="81691"/>
             </a:xfrm>
             <a:prstGeom prst="rect">
@@ -5202,13 +5328,13 @@
         </p:sp>
         <p:sp>
           <p:nvSpPr>
-            <p:cNvPr id="55" name="tx55"/>
+            <p:cNvPr id="58" name="tx58"/>
             <p:cNvSpPr/>
             <p:nvPr/>
           </p:nvSpPr>
           <p:spPr>
             <a:xfrm>
-              <a:off x="6874306" y="5699866"/>
+              <a:off x="5953720" y="5699866"/>
               <a:ext cx="186466" cy="81691"/>
             </a:xfrm>
             <a:prstGeom prst="rect">
@@ -5248,13 +5374,13 @@
         </p:sp>
         <p:sp>
           <p:nvSpPr>
-            <p:cNvPr id="56" name="tx56"/>
+            <p:cNvPr id="59" name="tx59"/>
             <p:cNvSpPr/>
             <p:nvPr/>
           </p:nvSpPr>
           <p:spPr>
             <a:xfrm>
-              <a:off x="8622999" y="5699866"/>
+              <a:off x="7242120" y="5699866"/>
               <a:ext cx="186466" cy="81691"/>
             </a:xfrm>
             <a:prstGeom prst="rect">
@@ -5288,6 +5414,52 @@
                   <a:cs typeface="Arial"/>
                 </a:rPr>
                 <a:t>600</a:t>
+              </a:r>
+            </a:p>
+          </p:txBody>
+        </p:sp>
+        <p:sp>
+          <p:nvSpPr>
+            <p:cNvPr id="60" name="tx60"/>
+            <p:cNvSpPr/>
+            <p:nvPr/>
+          </p:nvSpPr>
+          <p:spPr>
+            <a:xfrm>
+              <a:off x="8530520" y="5699866"/>
+              <a:ext cx="186466" cy="81691"/>
+            </a:xfrm>
+            <a:prstGeom prst="rect">
+              <a:avLst/>
+            </a:prstGeom>
+            <a:noFill/>
+          </p:spPr>
+          <p:txBody>
+            <a:bodyPr lIns="0" rIns="0" tIns="0" bIns="0" anchorCtr="1" anchor="ctr" wrap="none"/>
+            <a:lstStyle/>
+            <a:p>
+              <a:pPr algn="l" marL="0" marR="0" indent="0">
+                <a:lnSpc>
+                  <a:spcPts val="880"/>
+                </a:lnSpc>
+                <a:spcBef>
+                  <a:spcPts val="0"/>
+                </a:spcBef>
+                <a:spcAft>
+                  <a:spcPts val="0"/>
+                </a:spcAft>
+              </a:pPr>
+              <a:r>
+                <a:rPr sz="880">
+                  <a:solidFill>
+                    <a:srgbClr val="4D4D4D">
+                      <a:alpha val="100000"/>
+                    </a:srgbClr>
+                  </a:solidFill>
+                  <a:latin typeface="Arial"/>
+                  <a:cs typeface="Arial"/>
+                </a:rPr>
+                <a:t>800</a:t>
               </a:r>
             </a:p>
           </p:txBody>

--- a/_book/plot/pro-survey-q16-bar-1.pptx
+++ b/_book/plot/pro-survey-q16-bar-1.pptx
@@ -3192,8 +3192,8 @@
           </p:nvSpPr>
           <p:spPr>
             <a:xfrm>
-              <a:off x="3470153" y="1590617"/>
-              <a:ext cx="5466938" cy="4048310"/>
+              <a:off x="2085704" y="1590617"/>
+              <a:ext cx="6851387" cy="4048310"/>
             </a:xfrm>
             <a:prstGeom prst="rect">
               <a:avLst/>
@@ -3218,7 +3218,7 @@
           </p:nvSpPr>
           <p:spPr>
             <a:xfrm>
-              <a:off x="4114353" y="1590617"/>
+              <a:off x="3030171" y="1590617"/>
               <a:ext cx="0" cy="4048310"/>
             </a:xfrm>
             <a:custGeom>
@@ -3261,7 +3261,7 @@
           </p:nvSpPr>
           <p:spPr>
             <a:xfrm>
-              <a:off x="5402753" y="1590617"/>
+              <a:off x="4919104" y="1590617"/>
               <a:ext cx="0" cy="4048310"/>
             </a:xfrm>
             <a:custGeom>
@@ -3304,7 +3304,7 @@
           </p:nvSpPr>
           <p:spPr>
             <a:xfrm>
-              <a:off x="6691153" y="1590617"/>
+              <a:off x="6808038" y="1590617"/>
               <a:ext cx="0" cy="4048310"/>
             </a:xfrm>
             <a:custGeom>
@@ -3347,7 +3347,7 @@
           </p:nvSpPr>
           <p:spPr>
             <a:xfrm>
-              <a:off x="7979553" y="1590617"/>
+              <a:off x="8696971" y="1590617"/>
               <a:ext cx="0" cy="4048310"/>
             </a:xfrm>
             <a:custGeom>
@@ -3390,21 +3390,21 @@
           </p:nvSpPr>
           <p:spPr>
             <a:xfrm>
-              <a:off x="3470153" y="5301568"/>
-              <a:ext cx="5466938" cy="0"/>
+              <a:off x="2085704" y="5505467"/>
+              <a:ext cx="6851387" cy="0"/>
             </a:xfrm>
             <a:custGeom>
               <a:avLst/>
               <a:pathLst>
-                <a:path w="5466938" h="0">
+                <a:path w="6851387" h="0">
                   <a:moveTo>
                     <a:pt x="0" y="0"/>
                   </a:moveTo>
                   <a:lnTo>
-                    <a:pt x="5466938" y="0"/>
+                    <a:pt x="6851387" y="0"/>
                   </a:lnTo>
                   <a:lnTo>
-                    <a:pt x="5466938" y="0"/>
+                    <a:pt x="6851387" y="0"/>
                   </a:lnTo>
                 </a:path>
               </a:pathLst>
@@ -3433,21 +3433,21 @@
           </p:nvSpPr>
           <p:spPr>
             <a:xfrm>
-              <a:off x="3470153" y="4739303"/>
-              <a:ext cx="5466938" cy="0"/>
+              <a:off x="2085704" y="5283032"/>
+              <a:ext cx="6851387" cy="0"/>
             </a:xfrm>
             <a:custGeom>
               <a:avLst/>
               <a:pathLst>
-                <a:path w="5466938" h="0">
+                <a:path w="6851387" h="0">
                   <a:moveTo>
                     <a:pt x="0" y="0"/>
                   </a:moveTo>
                   <a:lnTo>
-                    <a:pt x="5466938" y="0"/>
+                    <a:pt x="6851387" y="0"/>
                   </a:lnTo>
                   <a:lnTo>
-                    <a:pt x="5466938" y="0"/>
+                    <a:pt x="6851387" y="0"/>
                   </a:lnTo>
                 </a:path>
               </a:pathLst>
@@ -3476,21 +3476,21 @@
           </p:nvSpPr>
           <p:spPr>
             <a:xfrm>
-              <a:off x="3470153" y="4177037"/>
-              <a:ext cx="5466938" cy="0"/>
+              <a:off x="2085704" y="5060597"/>
+              <a:ext cx="6851387" cy="0"/>
             </a:xfrm>
             <a:custGeom>
               <a:avLst/>
               <a:pathLst>
-                <a:path w="5466938" h="0">
+                <a:path w="6851387" h="0">
                   <a:moveTo>
                     <a:pt x="0" y="0"/>
                   </a:moveTo>
                   <a:lnTo>
-                    <a:pt x="5466938" y="0"/>
+                    <a:pt x="6851387" y="0"/>
                   </a:lnTo>
                   <a:lnTo>
-                    <a:pt x="5466938" y="0"/>
+                    <a:pt x="6851387" y="0"/>
                   </a:lnTo>
                 </a:path>
               </a:pathLst>
@@ -3519,21 +3519,21 @@
           </p:nvSpPr>
           <p:spPr>
             <a:xfrm>
-              <a:off x="3470153" y="3614772"/>
-              <a:ext cx="5466938" cy="0"/>
+              <a:off x="2085704" y="4838163"/>
+              <a:ext cx="6851387" cy="0"/>
             </a:xfrm>
             <a:custGeom>
               <a:avLst/>
               <a:pathLst>
-                <a:path w="5466938" h="0">
+                <a:path w="6851387" h="0">
                   <a:moveTo>
                     <a:pt x="0" y="0"/>
                   </a:moveTo>
                   <a:lnTo>
-                    <a:pt x="5466938" y="0"/>
+                    <a:pt x="6851387" y="0"/>
                   </a:lnTo>
                   <a:lnTo>
-                    <a:pt x="5466938" y="0"/>
+                    <a:pt x="6851387" y="0"/>
                   </a:lnTo>
                 </a:path>
               </a:pathLst>
@@ -3562,21 +3562,21 @@
           </p:nvSpPr>
           <p:spPr>
             <a:xfrm>
-              <a:off x="3470153" y="3052507"/>
-              <a:ext cx="5466938" cy="0"/>
+              <a:off x="2085704" y="4615728"/>
+              <a:ext cx="6851387" cy="0"/>
             </a:xfrm>
             <a:custGeom>
               <a:avLst/>
               <a:pathLst>
-                <a:path w="5466938" h="0">
+                <a:path w="6851387" h="0">
                   <a:moveTo>
                     <a:pt x="0" y="0"/>
                   </a:moveTo>
                   <a:lnTo>
-                    <a:pt x="5466938" y="0"/>
+                    <a:pt x="6851387" y="0"/>
                   </a:lnTo>
                   <a:lnTo>
-                    <a:pt x="5466938" y="0"/>
+                    <a:pt x="6851387" y="0"/>
                   </a:lnTo>
                 </a:path>
               </a:pathLst>
@@ -3605,21 +3605,21 @@
           </p:nvSpPr>
           <p:spPr>
             <a:xfrm>
-              <a:off x="3470153" y="2490241"/>
-              <a:ext cx="5466938" cy="0"/>
+              <a:off x="2085704" y="4393293"/>
+              <a:ext cx="6851387" cy="0"/>
             </a:xfrm>
             <a:custGeom>
               <a:avLst/>
               <a:pathLst>
-                <a:path w="5466938" h="0">
+                <a:path w="6851387" h="0">
                   <a:moveTo>
                     <a:pt x="0" y="0"/>
                   </a:moveTo>
                   <a:lnTo>
-                    <a:pt x="5466938" y="0"/>
+                    <a:pt x="6851387" y="0"/>
                   </a:lnTo>
                   <a:lnTo>
-                    <a:pt x="5466938" y="0"/>
+                    <a:pt x="6851387" y="0"/>
                   </a:lnTo>
                 </a:path>
               </a:pathLst>
@@ -3648,21 +3648,21 @@
           </p:nvSpPr>
           <p:spPr>
             <a:xfrm>
-              <a:off x="3470153" y="1927976"/>
-              <a:ext cx="5466938" cy="0"/>
+              <a:off x="2085704" y="4170859"/>
+              <a:ext cx="6851387" cy="0"/>
             </a:xfrm>
             <a:custGeom>
               <a:avLst/>
               <a:pathLst>
-                <a:path w="5466938" h="0">
+                <a:path w="6851387" h="0">
                   <a:moveTo>
                     <a:pt x="0" y="0"/>
                   </a:moveTo>
                   <a:lnTo>
-                    <a:pt x="5466938" y="0"/>
+                    <a:pt x="6851387" y="0"/>
                   </a:lnTo>
                   <a:lnTo>
-                    <a:pt x="5466938" y="0"/>
+                    <a:pt x="6851387" y="0"/>
                   </a:lnTo>
                 </a:path>
               </a:pathLst>
@@ -3691,7 +3691,480 @@
           </p:nvSpPr>
           <p:spPr>
             <a:xfrm>
-              <a:off x="3470153" y="1590617"/>
+              <a:off x="2085704" y="3948424"/>
+              <a:ext cx="6851387" cy="0"/>
+            </a:xfrm>
+            <a:custGeom>
+              <a:avLst/>
+              <a:pathLst>
+                <a:path w="6851387" h="0">
+                  <a:moveTo>
+                    <a:pt x="0" y="0"/>
+                  </a:moveTo>
+                  <a:lnTo>
+                    <a:pt x="6851387" y="0"/>
+                  </a:lnTo>
+                  <a:lnTo>
+                    <a:pt x="6851387" y="0"/>
+                  </a:lnTo>
+                </a:path>
+              </a:pathLst>
+            </a:custGeom>
+            <a:ln w="6775" cap="flat">
+              <a:solidFill>
+                <a:srgbClr val="DEDEDE">
+                  <a:alpha val="100000"/>
+                </a:srgbClr>
+              </a:solidFill>
+              <a:prstDash val="solid"/>
+              <a:round/>
+            </a:ln>
+          </p:spPr>
+          <p:txBody>
+            <a:bodyPr/>
+            <a:lstStyle/>
+            <a:p/>
+          </p:txBody>
+        </p:sp>
+        <p:sp>
+          <p:nvSpPr>
+            <p:cNvPr id="18" name="pl18"/>
+            <p:cNvSpPr/>
+            <p:nvPr/>
+          </p:nvSpPr>
+          <p:spPr>
+            <a:xfrm>
+              <a:off x="2085704" y="3725989"/>
+              <a:ext cx="6851387" cy="0"/>
+            </a:xfrm>
+            <a:custGeom>
+              <a:avLst/>
+              <a:pathLst>
+                <a:path w="6851387" h="0">
+                  <a:moveTo>
+                    <a:pt x="0" y="0"/>
+                  </a:moveTo>
+                  <a:lnTo>
+                    <a:pt x="6851387" y="0"/>
+                  </a:lnTo>
+                  <a:lnTo>
+                    <a:pt x="6851387" y="0"/>
+                  </a:lnTo>
+                </a:path>
+              </a:pathLst>
+            </a:custGeom>
+            <a:ln w="6775" cap="flat">
+              <a:solidFill>
+                <a:srgbClr val="DEDEDE">
+                  <a:alpha val="100000"/>
+                </a:srgbClr>
+              </a:solidFill>
+              <a:prstDash val="solid"/>
+              <a:round/>
+            </a:ln>
+          </p:spPr>
+          <p:txBody>
+            <a:bodyPr/>
+            <a:lstStyle/>
+            <a:p/>
+          </p:txBody>
+        </p:sp>
+        <p:sp>
+          <p:nvSpPr>
+            <p:cNvPr id="19" name="pl19"/>
+            <p:cNvSpPr/>
+            <p:nvPr/>
+          </p:nvSpPr>
+          <p:spPr>
+            <a:xfrm>
+              <a:off x="2085704" y="3503555"/>
+              <a:ext cx="6851387" cy="0"/>
+            </a:xfrm>
+            <a:custGeom>
+              <a:avLst/>
+              <a:pathLst>
+                <a:path w="6851387" h="0">
+                  <a:moveTo>
+                    <a:pt x="0" y="0"/>
+                  </a:moveTo>
+                  <a:lnTo>
+                    <a:pt x="6851387" y="0"/>
+                  </a:lnTo>
+                  <a:lnTo>
+                    <a:pt x="6851387" y="0"/>
+                  </a:lnTo>
+                </a:path>
+              </a:pathLst>
+            </a:custGeom>
+            <a:ln w="6775" cap="flat">
+              <a:solidFill>
+                <a:srgbClr val="DEDEDE">
+                  <a:alpha val="100000"/>
+                </a:srgbClr>
+              </a:solidFill>
+              <a:prstDash val="solid"/>
+              <a:round/>
+            </a:ln>
+          </p:spPr>
+          <p:txBody>
+            <a:bodyPr/>
+            <a:lstStyle/>
+            <a:p/>
+          </p:txBody>
+        </p:sp>
+        <p:sp>
+          <p:nvSpPr>
+            <p:cNvPr id="20" name="pl20"/>
+            <p:cNvSpPr/>
+            <p:nvPr/>
+          </p:nvSpPr>
+          <p:spPr>
+            <a:xfrm>
+              <a:off x="2085704" y="3281120"/>
+              <a:ext cx="6851387" cy="0"/>
+            </a:xfrm>
+            <a:custGeom>
+              <a:avLst/>
+              <a:pathLst>
+                <a:path w="6851387" h="0">
+                  <a:moveTo>
+                    <a:pt x="0" y="0"/>
+                  </a:moveTo>
+                  <a:lnTo>
+                    <a:pt x="6851387" y="0"/>
+                  </a:lnTo>
+                  <a:lnTo>
+                    <a:pt x="6851387" y="0"/>
+                  </a:lnTo>
+                </a:path>
+              </a:pathLst>
+            </a:custGeom>
+            <a:ln w="6775" cap="flat">
+              <a:solidFill>
+                <a:srgbClr val="DEDEDE">
+                  <a:alpha val="100000"/>
+                </a:srgbClr>
+              </a:solidFill>
+              <a:prstDash val="solid"/>
+              <a:round/>
+            </a:ln>
+          </p:spPr>
+          <p:txBody>
+            <a:bodyPr/>
+            <a:lstStyle/>
+            <a:p/>
+          </p:txBody>
+        </p:sp>
+        <p:sp>
+          <p:nvSpPr>
+            <p:cNvPr id="21" name="pl21"/>
+            <p:cNvSpPr/>
+            <p:nvPr/>
+          </p:nvSpPr>
+          <p:spPr>
+            <a:xfrm>
+              <a:off x="2085704" y="3058685"/>
+              <a:ext cx="6851387" cy="0"/>
+            </a:xfrm>
+            <a:custGeom>
+              <a:avLst/>
+              <a:pathLst>
+                <a:path w="6851387" h="0">
+                  <a:moveTo>
+                    <a:pt x="0" y="0"/>
+                  </a:moveTo>
+                  <a:lnTo>
+                    <a:pt x="6851387" y="0"/>
+                  </a:lnTo>
+                  <a:lnTo>
+                    <a:pt x="6851387" y="0"/>
+                  </a:lnTo>
+                </a:path>
+              </a:pathLst>
+            </a:custGeom>
+            <a:ln w="6775" cap="flat">
+              <a:solidFill>
+                <a:srgbClr val="DEDEDE">
+                  <a:alpha val="100000"/>
+                </a:srgbClr>
+              </a:solidFill>
+              <a:prstDash val="solid"/>
+              <a:round/>
+            </a:ln>
+          </p:spPr>
+          <p:txBody>
+            <a:bodyPr/>
+            <a:lstStyle/>
+            <a:p/>
+          </p:txBody>
+        </p:sp>
+        <p:sp>
+          <p:nvSpPr>
+            <p:cNvPr id="22" name="pl22"/>
+            <p:cNvSpPr/>
+            <p:nvPr/>
+          </p:nvSpPr>
+          <p:spPr>
+            <a:xfrm>
+              <a:off x="2085704" y="2836251"/>
+              <a:ext cx="6851387" cy="0"/>
+            </a:xfrm>
+            <a:custGeom>
+              <a:avLst/>
+              <a:pathLst>
+                <a:path w="6851387" h="0">
+                  <a:moveTo>
+                    <a:pt x="0" y="0"/>
+                  </a:moveTo>
+                  <a:lnTo>
+                    <a:pt x="6851387" y="0"/>
+                  </a:lnTo>
+                  <a:lnTo>
+                    <a:pt x="6851387" y="0"/>
+                  </a:lnTo>
+                </a:path>
+              </a:pathLst>
+            </a:custGeom>
+            <a:ln w="6775" cap="flat">
+              <a:solidFill>
+                <a:srgbClr val="DEDEDE">
+                  <a:alpha val="100000"/>
+                </a:srgbClr>
+              </a:solidFill>
+              <a:prstDash val="solid"/>
+              <a:round/>
+            </a:ln>
+          </p:spPr>
+          <p:txBody>
+            <a:bodyPr/>
+            <a:lstStyle/>
+            <a:p/>
+          </p:txBody>
+        </p:sp>
+        <p:sp>
+          <p:nvSpPr>
+            <p:cNvPr id="23" name="pl23"/>
+            <p:cNvSpPr/>
+            <p:nvPr/>
+          </p:nvSpPr>
+          <p:spPr>
+            <a:xfrm>
+              <a:off x="2085704" y="2613816"/>
+              <a:ext cx="6851387" cy="0"/>
+            </a:xfrm>
+            <a:custGeom>
+              <a:avLst/>
+              <a:pathLst>
+                <a:path w="6851387" h="0">
+                  <a:moveTo>
+                    <a:pt x="0" y="0"/>
+                  </a:moveTo>
+                  <a:lnTo>
+                    <a:pt x="6851387" y="0"/>
+                  </a:lnTo>
+                  <a:lnTo>
+                    <a:pt x="6851387" y="0"/>
+                  </a:lnTo>
+                </a:path>
+              </a:pathLst>
+            </a:custGeom>
+            <a:ln w="6775" cap="flat">
+              <a:solidFill>
+                <a:srgbClr val="DEDEDE">
+                  <a:alpha val="100000"/>
+                </a:srgbClr>
+              </a:solidFill>
+              <a:prstDash val="solid"/>
+              <a:round/>
+            </a:ln>
+          </p:spPr>
+          <p:txBody>
+            <a:bodyPr/>
+            <a:lstStyle/>
+            <a:p/>
+          </p:txBody>
+        </p:sp>
+        <p:sp>
+          <p:nvSpPr>
+            <p:cNvPr id="24" name="pl24"/>
+            <p:cNvSpPr/>
+            <p:nvPr/>
+          </p:nvSpPr>
+          <p:spPr>
+            <a:xfrm>
+              <a:off x="2085704" y="2391381"/>
+              <a:ext cx="6851387" cy="0"/>
+            </a:xfrm>
+            <a:custGeom>
+              <a:avLst/>
+              <a:pathLst>
+                <a:path w="6851387" h="0">
+                  <a:moveTo>
+                    <a:pt x="0" y="0"/>
+                  </a:moveTo>
+                  <a:lnTo>
+                    <a:pt x="6851387" y="0"/>
+                  </a:lnTo>
+                  <a:lnTo>
+                    <a:pt x="6851387" y="0"/>
+                  </a:lnTo>
+                </a:path>
+              </a:pathLst>
+            </a:custGeom>
+            <a:ln w="6775" cap="flat">
+              <a:solidFill>
+                <a:srgbClr val="DEDEDE">
+                  <a:alpha val="100000"/>
+                </a:srgbClr>
+              </a:solidFill>
+              <a:prstDash val="solid"/>
+              <a:round/>
+            </a:ln>
+          </p:spPr>
+          <p:txBody>
+            <a:bodyPr/>
+            <a:lstStyle/>
+            <a:p/>
+          </p:txBody>
+        </p:sp>
+        <p:sp>
+          <p:nvSpPr>
+            <p:cNvPr id="25" name="pl25"/>
+            <p:cNvSpPr/>
+            <p:nvPr/>
+          </p:nvSpPr>
+          <p:spPr>
+            <a:xfrm>
+              <a:off x="2085704" y="2168947"/>
+              <a:ext cx="6851387" cy="0"/>
+            </a:xfrm>
+            <a:custGeom>
+              <a:avLst/>
+              <a:pathLst>
+                <a:path w="6851387" h="0">
+                  <a:moveTo>
+                    <a:pt x="0" y="0"/>
+                  </a:moveTo>
+                  <a:lnTo>
+                    <a:pt x="6851387" y="0"/>
+                  </a:lnTo>
+                  <a:lnTo>
+                    <a:pt x="6851387" y="0"/>
+                  </a:lnTo>
+                </a:path>
+              </a:pathLst>
+            </a:custGeom>
+            <a:ln w="6775" cap="flat">
+              <a:solidFill>
+                <a:srgbClr val="DEDEDE">
+                  <a:alpha val="100000"/>
+                </a:srgbClr>
+              </a:solidFill>
+              <a:prstDash val="solid"/>
+              <a:round/>
+            </a:ln>
+          </p:spPr>
+          <p:txBody>
+            <a:bodyPr/>
+            <a:lstStyle/>
+            <a:p/>
+          </p:txBody>
+        </p:sp>
+        <p:sp>
+          <p:nvSpPr>
+            <p:cNvPr id="26" name="pl26"/>
+            <p:cNvSpPr/>
+            <p:nvPr/>
+          </p:nvSpPr>
+          <p:spPr>
+            <a:xfrm>
+              <a:off x="2085704" y="1946512"/>
+              <a:ext cx="6851387" cy="0"/>
+            </a:xfrm>
+            <a:custGeom>
+              <a:avLst/>
+              <a:pathLst>
+                <a:path w="6851387" h="0">
+                  <a:moveTo>
+                    <a:pt x="0" y="0"/>
+                  </a:moveTo>
+                  <a:lnTo>
+                    <a:pt x="6851387" y="0"/>
+                  </a:lnTo>
+                  <a:lnTo>
+                    <a:pt x="6851387" y="0"/>
+                  </a:lnTo>
+                </a:path>
+              </a:pathLst>
+            </a:custGeom>
+            <a:ln w="6775" cap="flat">
+              <a:solidFill>
+                <a:srgbClr val="DEDEDE">
+                  <a:alpha val="100000"/>
+                </a:srgbClr>
+              </a:solidFill>
+              <a:prstDash val="solid"/>
+              <a:round/>
+            </a:ln>
+          </p:spPr>
+          <p:txBody>
+            <a:bodyPr/>
+            <a:lstStyle/>
+            <a:p/>
+          </p:txBody>
+        </p:sp>
+        <p:sp>
+          <p:nvSpPr>
+            <p:cNvPr id="27" name="pl27"/>
+            <p:cNvSpPr/>
+            <p:nvPr/>
+          </p:nvSpPr>
+          <p:spPr>
+            <a:xfrm>
+              <a:off x="2085704" y="1724078"/>
+              <a:ext cx="6851387" cy="0"/>
+            </a:xfrm>
+            <a:custGeom>
+              <a:avLst/>
+              <a:pathLst>
+                <a:path w="6851387" h="0">
+                  <a:moveTo>
+                    <a:pt x="0" y="0"/>
+                  </a:moveTo>
+                  <a:lnTo>
+                    <a:pt x="6851387" y="0"/>
+                  </a:lnTo>
+                  <a:lnTo>
+                    <a:pt x="6851387" y="0"/>
+                  </a:lnTo>
+                </a:path>
+              </a:pathLst>
+            </a:custGeom>
+            <a:ln w="6775" cap="flat">
+              <a:solidFill>
+                <a:srgbClr val="DEDEDE">
+                  <a:alpha val="100000"/>
+                </a:srgbClr>
+              </a:solidFill>
+              <a:prstDash val="solid"/>
+              <a:round/>
+            </a:ln>
+          </p:spPr>
+          <p:txBody>
+            <a:bodyPr/>
+            <a:lstStyle/>
+            <a:p/>
+          </p:txBody>
+        </p:sp>
+        <p:sp>
+          <p:nvSpPr>
+            <p:cNvPr id="28" name="pl28"/>
+            <p:cNvSpPr/>
+            <p:nvPr/>
+          </p:nvSpPr>
+          <p:spPr>
+            <a:xfrm>
+              <a:off x="2085704" y="1590617"/>
               <a:ext cx="0" cy="4048310"/>
             </a:xfrm>
             <a:custGeom>
@@ -3728,13 +4201,13 @@
         </p:sp>
         <p:sp>
           <p:nvSpPr>
-            <p:cNvPr id="18" name="pl18"/>
-            <p:cNvSpPr/>
-            <p:nvPr/>
-          </p:nvSpPr>
-          <p:spPr>
-            <a:xfrm>
-              <a:off x="4758553" y="1590617"/>
+            <p:cNvPr id="29" name="pl29"/>
+            <p:cNvSpPr/>
+            <p:nvPr/>
+          </p:nvSpPr>
+          <p:spPr>
+            <a:xfrm>
+              <a:off x="3974638" y="1590617"/>
               <a:ext cx="0" cy="4048310"/>
             </a:xfrm>
             <a:custGeom>
@@ -3771,13 +4244,13 @@
         </p:sp>
         <p:sp>
           <p:nvSpPr>
-            <p:cNvPr id="19" name="pl19"/>
-            <p:cNvSpPr/>
-            <p:nvPr/>
-          </p:nvSpPr>
-          <p:spPr>
-            <a:xfrm>
-              <a:off x="6046953" y="1590617"/>
+            <p:cNvPr id="30" name="pl30"/>
+            <p:cNvSpPr/>
+            <p:nvPr/>
+          </p:nvSpPr>
+          <p:spPr>
+            <a:xfrm>
+              <a:off x="5863571" y="1590617"/>
               <a:ext cx="0" cy="4048310"/>
             </a:xfrm>
             <a:custGeom>
@@ -3814,13 +4287,13 @@
         </p:sp>
         <p:sp>
           <p:nvSpPr>
-            <p:cNvPr id="20" name="pl20"/>
-            <p:cNvSpPr/>
-            <p:nvPr/>
-          </p:nvSpPr>
-          <p:spPr>
-            <a:xfrm>
-              <a:off x="7335353" y="1590617"/>
+            <p:cNvPr id="31" name="pl31"/>
+            <p:cNvSpPr/>
+            <p:nvPr/>
+          </p:nvSpPr>
+          <p:spPr>
+            <a:xfrm>
+              <a:off x="7752504" y="1590617"/>
               <a:ext cx="0" cy="4048310"/>
             </a:xfrm>
             <a:custGeom>
@@ -3857,57 +4330,14 @@
         </p:sp>
         <p:sp>
           <p:nvSpPr>
-            <p:cNvPr id="21" name="pl21"/>
-            <p:cNvSpPr/>
-            <p:nvPr/>
-          </p:nvSpPr>
-          <p:spPr>
-            <a:xfrm>
-              <a:off x="8623753" y="1590617"/>
-              <a:ext cx="0" cy="4048310"/>
-            </a:xfrm>
-            <a:custGeom>
-              <a:avLst/>
-              <a:pathLst>
-                <a:path w="0" h="4048310">
-                  <a:moveTo>
-                    <a:pt x="0" y="4048310"/>
-                  </a:moveTo>
-                  <a:lnTo>
-                    <a:pt x="0" y="0"/>
-                  </a:lnTo>
-                  <a:lnTo>
-                    <a:pt x="0" y="0"/>
-                  </a:lnTo>
-                </a:path>
-              </a:pathLst>
-            </a:custGeom>
-            <a:ln w="6775" cap="flat">
-              <a:solidFill>
-                <a:srgbClr val="DEDEDE">
-                  <a:alpha val="100000"/>
-                </a:srgbClr>
-              </a:solidFill>
-              <a:prstDash val="solid"/>
-              <a:round/>
-            </a:ln>
-          </p:spPr>
-          <p:txBody>
-            <a:bodyPr/>
-            <a:lstStyle/>
-            <a:p/>
-          </p:txBody>
-        </p:sp>
-        <p:sp>
-          <p:nvSpPr>
-            <p:cNvPr id="22" name="rc22"/>
-            <p:cNvSpPr/>
-            <p:nvPr/>
-          </p:nvSpPr>
-          <p:spPr>
-            <a:xfrm>
-              <a:off x="3470153" y="1674957"/>
-              <a:ext cx="5359743" cy="506038"/>
+            <p:cNvPr id="32" name="rc32"/>
+            <p:cNvSpPr/>
+            <p:nvPr/>
+          </p:nvSpPr>
+          <p:spPr>
+            <a:xfrm>
+              <a:off x="2085704" y="1623982"/>
+              <a:ext cx="6717046" cy="200191"/>
             </a:xfrm>
             <a:prstGeom prst="rect">
               <a:avLst/>
@@ -3926,14 +4356,14 @@
         </p:sp>
         <p:sp>
           <p:nvSpPr>
-            <p:cNvPr id="23" name="rc23"/>
-            <p:cNvSpPr/>
-            <p:nvPr/>
-          </p:nvSpPr>
-          <p:spPr>
-            <a:xfrm>
-              <a:off x="3470153" y="2237222"/>
-              <a:ext cx="4348349" cy="506038"/>
+            <p:cNvPr id="33" name="rc33"/>
+            <p:cNvSpPr/>
+            <p:nvPr/>
+          </p:nvSpPr>
+          <p:spPr>
+            <a:xfrm>
+              <a:off x="2085704" y="1846417"/>
+              <a:ext cx="5455239" cy="200191"/>
             </a:xfrm>
             <a:prstGeom prst="rect">
               <a:avLst/>
@@ -3952,14 +4382,14 @@
         </p:sp>
         <p:sp>
           <p:nvSpPr>
-            <p:cNvPr id="24" name="rc24"/>
-            <p:cNvSpPr/>
-            <p:nvPr/>
-          </p:nvSpPr>
-          <p:spPr>
-            <a:xfrm>
-              <a:off x="3470153" y="2799487"/>
-              <a:ext cx="4348349" cy="506038"/>
+            <p:cNvPr id="34" name="rc34"/>
+            <p:cNvSpPr/>
+            <p:nvPr/>
+          </p:nvSpPr>
+          <p:spPr>
+            <a:xfrm>
+              <a:off x="2085704" y="2068851"/>
+              <a:ext cx="5432572" cy="200191"/>
             </a:xfrm>
             <a:prstGeom prst="rect">
               <a:avLst/>
@@ -3978,14 +4408,14 @@
         </p:sp>
         <p:sp>
           <p:nvSpPr>
-            <p:cNvPr id="25" name="rc25"/>
-            <p:cNvSpPr/>
-            <p:nvPr/>
-          </p:nvSpPr>
-          <p:spPr>
-            <a:xfrm>
-              <a:off x="3470153" y="3361753"/>
-              <a:ext cx="3659055" cy="506038"/>
+            <p:cNvPr id="35" name="rc35"/>
+            <p:cNvSpPr/>
+            <p:nvPr/>
+          </p:nvSpPr>
+          <p:spPr>
+            <a:xfrm>
+              <a:off x="2085704" y="2291286"/>
+              <a:ext cx="4608997" cy="200191"/>
             </a:xfrm>
             <a:prstGeom prst="rect">
               <a:avLst/>
@@ -4004,14 +4434,14 @@
         </p:sp>
         <p:sp>
           <p:nvSpPr>
-            <p:cNvPr id="26" name="rc26"/>
-            <p:cNvSpPr/>
-            <p:nvPr/>
-          </p:nvSpPr>
-          <p:spPr>
-            <a:xfrm>
-              <a:off x="3470153" y="3924018"/>
-              <a:ext cx="3085717" cy="506038"/>
+            <p:cNvPr id="36" name="rc36"/>
+            <p:cNvSpPr/>
+            <p:nvPr/>
+          </p:nvSpPr>
+          <p:spPr>
+            <a:xfrm>
+              <a:off x="2085704" y="2513721"/>
+              <a:ext cx="3936536" cy="200191"/>
             </a:xfrm>
             <a:prstGeom prst="rect">
               <a:avLst/>
@@ -4030,14 +4460,14 @@
         </p:sp>
         <p:sp>
           <p:nvSpPr>
-            <p:cNvPr id="27" name="rc27"/>
-            <p:cNvSpPr/>
-            <p:nvPr/>
-          </p:nvSpPr>
-          <p:spPr>
-            <a:xfrm>
-              <a:off x="3470153" y="4486283"/>
-              <a:ext cx="2634777" cy="506038"/>
+            <p:cNvPr id="37" name="rc37"/>
+            <p:cNvSpPr/>
+            <p:nvPr/>
+          </p:nvSpPr>
+          <p:spPr>
+            <a:xfrm>
+              <a:off x="2085704" y="2736155"/>
+              <a:ext cx="3332078" cy="200191"/>
             </a:xfrm>
             <a:prstGeom prst="rect">
               <a:avLst/>
@@ -4056,14 +4486,14 @@
         </p:sp>
         <p:sp>
           <p:nvSpPr>
-            <p:cNvPr id="28" name="rc28"/>
-            <p:cNvSpPr/>
-            <p:nvPr/>
-          </p:nvSpPr>
-          <p:spPr>
-            <a:xfrm>
-              <a:off x="3470153" y="5048549"/>
-              <a:ext cx="70861" cy="506038"/>
+            <p:cNvPr id="38" name="rc38"/>
+            <p:cNvSpPr/>
+            <p:nvPr/>
+          </p:nvSpPr>
+          <p:spPr>
+            <a:xfrm>
+              <a:off x="2085704" y="2958590"/>
+              <a:ext cx="83113" cy="200191"/>
             </a:xfrm>
             <a:prstGeom prst="rect">
               <a:avLst/>
@@ -4082,14 +4512,300 @@
         </p:sp>
         <p:sp>
           <p:nvSpPr>
-            <p:cNvPr id="29" name="tx29"/>
-            <p:cNvSpPr/>
-            <p:nvPr/>
-          </p:nvSpPr>
-          <p:spPr>
-            <a:xfrm>
-              <a:off x="8516806" y="1871963"/>
-              <a:ext cx="180869" cy="79292"/>
+            <p:cNvPr id="39" name="rc39"/>
+            <p:cNvSpPr/>
+            <p:nvPr/>
+          </p:nvSpPr>
+          <p:spPr>
+            <a:xfrm>
+              <a:off x="2085704" y="3181025"/>
+              <a:ext cx="7555" cy="200191"/>
+            </a:xfrm>
+            <a:prstGeom prst="rect">
+              <a:avLst/>
+            </a:prstGeom>
+            <a:solidFill>
+              <a:srgbClr val="595959">
+                <a:alpha val="100000"/>
+              </a:srgbClr>
+            </a:solidFill>
+          </p:spPr>
+          <p:txBody>
+            <a:bodyPr/>
+            <a:lstStyle/>
+            <a:p/>
+          </p:txBody>
+        </p:sp>
+        <p:sp>
+          <p:nvSpPr>
+            <p:cNvPr id="40" name="rc40"/>
+            <p:cNvSpPr/>
+            <p:nvPr/>
+          </p:nvSpPr>
+          <p:spPr>
+            <a:xfrm>
+              <a:off x="2085704" y="3403459"/>
+              <a:ext cx="7555" cy="200191"/>
+            </a:xfrm>
+            <a:prstGeom prst="rect">
+              <a:avLst/>
+            </a:prstGeom>
+            <a:solidFill>
+              <a:srgbClr val="595959">
+                <a:alpha val="100000"/>
+              </a:srgbClr>
+            </a:solidFill>
+          </p:spPr>
+          <p:txBody>
+            <a:bodyPr/>
+            <a:lstStyle/>
+            <a:p/>
+          </p:txBody>
+        </p:sp>
+        <p:sp>
+          <p:nvSpPr>
+            <p:cNvPr id="41" name="rc41"/>
+            <p:cNvSpPr/>
+            <p:nvPr/>
+          </p:nvSpPr>
+          <p:spPr>
+            <a:xfrm>
+              <a:off x="2085704" y="3625894"/>
+              <a:ext cx="7555" cy="200191"/>
+            </a:xfrm>
+            <a:prstGeom prst="rect">
+              <a:avLst/>
+            </a:prstGeom>
+            <a:solidFill>
+              <a:srgbClr val="595959">
+                <a:alpha val="100000"/>
+              </a:srgbClr>
+            </a:solidFill>
+          </p:spPr>
+          <p:txBody>
+            <a:bodyPr/>
+            <a:lstStyle/>
+            <a:p/>
+          </p:txBody>
+        </p:sp>
+        <p:sp>
+          <p:nvSpPr>
+            <p:cNvPr id="42" name="rc42"/>
+            <p:cNvSpPr/>
+            <p:nvPr/>
+          </p:nvSpPr>
+          <p:spPr>
+            <a:xfrm>
+              <a:off x="2085704" y="3848328"/>
+              <a:ext cx="7555" cy="200191"/>
+            </a:xfrm>
+            <a:prstGeom prst="rect">
+              <a:avLst/>
+            </a:prstGeom>
+            <a:solidFill>
+              <a:srgbClr val="595959">
+                <a:alpha val="100000"/>
+              </a:srgbClr>
+            </a:solidFill>
+          </p:spPr>
+          <p:txBody>
+            <a:bodyPr/>
+            <a:lstStyle/>
+            <a:p/>
+          </p:txBody>
+        </p:sp>
+        <p:sp>
+          <p:nvSpPr>
+            <p:cNvPr id="43" name="rc43"/>
+            <p:cNvSpPr/>
+            <p:nvPr/>
+          </p:nvSpPr>
+          <p:spPr>
+            <a:xfrm>
+              <a:off x="2085704" y="4070763"/>
+              <a:ext cx="7555" cy="200191"/>
+            </a:xfrm>
+            <a:prstGeom prst="rect">
+              <a:avLst/>
+            </a:prstGeom>
+            <a:solidFill>
+              <a:srgbClr val="595959">
+                <a:alpha val="100000"/>
+              </a:srgbClr>
+            </a:solidFill>
+          </p:spPr>
+          <p:txBody>
+            <a:bodyPr/>
+            <a:lstStyle/>
+            <a:p/>
+          </p:txBody>
+        </p:sp>
+        <p:sp>
+          <p:nvSpPr>
+            <p:cNvPr id="44" name="rc44"/>
+            <p:cNvSpPr/>
+            <p:nvPr/>
+          </p:nvSpPr>
+          <p:spPr>
+            <a:xfrm>
+              <a:off x="2085704" y="4293198"/>
+              <a:ext cx="7555" cy="200191"/>
+            </a:xfrm>
+            <a:prstGeom prst="rect">
+              <a:avLst/>
+            </a:prstGeom>
+            <a:solidFill>
+              <a:srgbClr val="595959">
+                <a:alpha val="100000"/>
+              </a:srgbClr>
+            </a:solidFill>
+          </p:spPr>
+          <p:txBody>
+            <a:bodyPr/>
+            <a:lstStyle/>
+            <a:p/>
+          </p:txBody>
+        </p:sp>
+        <p:sp>
+          <p:nvSpPr>
+            <p:cNvPr id="45" name="rc45"/>
+            <p:cNvSpPr/>
+            <p:nvPr/>
+          </p:nvSpPr>
+          <p:spPr>
+            <a:xfrm>
+              <a:off x="2085704" y="4515632"/>
+              <a:ext cx="7555" cy="200191"/>
+            </a:xfrm>
+            <a:prstGeom prst="rect">
+              <a:avLst/>
+            </a:prstGeom>
+            <a:solidFill>
+              <a:srgbClr val="595959">
+                <a:alpha val="100000"/>
+              </a:srgbClr>
+            </a:solidFill>
+          </p:spPr>
+          <p:txBody>
+            <a:bodyPr/>
+            <a:lstStyle/>
+            <a:p/>
+          </p:txBody>
+        </p:sp>
+        <p:sp>
+          <p:nvSpPr>
+            <p:cNvPr id="46" name="rc46"/>
+            <p:cNvSpPr/>
+            <p:nvPr/>
+          </p:nvSpPr>
+          <p:spPr>
+            <a:xfrm>
+              <a:off x="2085704" y="4738067"/>
+              <a:ext cx="7555" cy="200191"/>
+            </a:xfrm>
+            <a:prstGeom prst="rect">
+              <a:avLst/>
+            </a:prstGeom>
+            <a:solidFill>
+              <a:srgbClr val="595959">
+                <a:alpha val="100000"/>
+              </a:srgbClr>
+            </a:solidFill>
+          </p:spPr>
+          <p:txBody>
+            <a:bodyPr/>
+            <a:lstStyle/>
+            <a:p/>
+          </p:txBody>
+        </p:sp>
+        <p:sp>
+          <p:nvSpPr>
+            <p:cNvPr id="47" name="rc47"/>
+            <p:cNvSpPr/>
+            <p:nvPr/>
+          </p:nvSpPr>
+          <p:spPr>
+            <a:xfrm>
+              <a:off x="2085704" y="4960502"/>
+              <a:ext cx="7555" cy="200191"/>
+            </a:xfrm>
+            <a:prstGeom prst="rect">
+              <a:avLst/>
+            </a:prstGeom>
+            <a:solidFill>
+              <a:srgbClr val="595959">
+                <a:alpha val="100000"/>
+              </a:srgbClr>
+            </a:solidFill>
+          </p:spPr>
+          <p:txBody>
+            <a:bodyPr/>
+            <a:lstStyle/>
+            <a:p/>
+          </p:txBody>
+        </p:sp>
+        <p:sp>
+          <p:nvSpPr>
+            <p:cNvPr id="48" name="rc48"/>
+            <p:cNvSpPr/>
+            <p:nvPr/>
+          </p:nvSpPr>
+          <p:spPr>
+            <a:xfrm>
+              <a:off x="2085704" y="5182936"/>
+              <a:ext cx="7555" cy="200191"/>
+            </a:xfrm>
+            <a:prstGeom prst="rect">
+              <a:avLst/>
+            </a:prstGeom>
+            <a:solidFill>
+              <a:srgbClr val="595959">
+                <a:alpha val="100000"/>
+              </a:srgbClr>
+            </a:solidFill>
+          </p:spPr>
+          <p:txBody>
+            <a:bodyPr/>
+            <a:lstStyle/>
+            <a:p/>
+          </p:txBody>
+        </p:sp>
+        <p:sp>
+          <p:nvSpPr>
+            <p:cNvPr id="49" name="rc49"/>
+            <p:cNvSpPr/>
+            <p:nvPr/>
+          </p:nvSpPr>
+          <p:spPr>
+            <a:xfrm>
+              <a:off x="2085704" y="5405371"/>
+              <a:ext cx="7555" cy="200191"/>
+            </a:xfrm>
+            <a:prstGeom prst="rect">
+              <a:avLst/>
+            </a:prstGeom>
+            <a:solidFill>
+              <a:srgbClr val="595959">
+                <a:alpha val="100000"/>
+              </a:srgbClr>
+            </a:solidFill>
+          </p:spPr>
+          <p:txBody>
+            <a:bodyPr/>
+            <a:lstStyle/>
+            <a:p/>
+          </p:txBody>
+        </p:sp>
+        <p:sp>
+          <p:nvSpPr>
+            <p:cNvPr id="50" name="tx50"/>
+            <p:cNvSpPr/>
+            <p:nvPr/>
+          </p:nvSpPr>
+          <p:spPr>
+            <a:xfrm>
+              <a:off x="7252850" y="1679604"/>
+              <a:ext cx="1382163" cy="67753"/>
             </a:xfrm>
             <a:prstGeom prst="rect">
               <a:avLst/>
@@ -4121,21 +4837,21 @@
                   <a:latin typeface="Arial"/>
                   <a:cs typeface="Arial"/>
                 </a:rPr>
-                <a:t>832</a:t>
+                <a:t>过度拔高益生菌的功能，宣称包治百病</a:t>
               </a:r>
             </a:p>
           </p:txBody>
         </p:sp>
         <p:sp>
           <p:nvSpPr>
-            <p:cNvPr id="30" name="tx30"/>
-            <p:cNvSpPr/>
-            <p:nvPr/>
-          </p:nvSpPr>
-          <p:spPr>
-            <a:xfrm>
-              <a:off x="7505412" y="2434281"/>
-              <a:ext cx="180869" cy="79239"/>
+            <p:cNvPr id="51" name="tx51"/>
+            <p:cNvSpPr/>
+            <p:nvPr/>
+          </p:nvSpPr>
+          <p:spPr>
+            <a:xfrm>
+              <a:off x="6397561" y="1902039"/>
+              <a:ext cx="975645" cy="67753"/>
             </a:xfrm>
             <a:prstGeom prst="rect">
               <a:avLst/>
@@ -4167,21 +4883,21 @@
                   <a:latin typeface="Arial"/>
                   <a:cs typeface="Arial"/>
                 </a:rPr>
-                <a:t>675</a:t>
+                <a:t>缺乏循证证据就去宣称功能</a:t>
               </a:r>
             </a:p>
           </p:txBody>
         </p:sp>
         <p:sp>
           <p:nvSpPr>
-            <p:cNvPr id="31" name="tx31"/>
-            <p:cNvSpPr/>
-            <p:nvPr/>
-          </p:nvSpPr>
-          <p:spPr>
-            <a:xfrm>
-              <a:off x="7505412" y="2996547"/>
-              <a:ext cx="180869" cy="79239"/>
+            <p:cNvPr id="52" name="tx52"/>
+            <p:cNvSpPr/>
+            <p:nvPr/>
+          </p:nvSpPr>
+          <p:spPr>
+            <a:xfrm>
+              <a:off x="6293590" y="2124473"/>
+              <a:ext cx="1056948" cy="67753"/>
             </a:xfrm>
             <a:prstGeom prst="rect">
               <a:avLst/>
@@ -4213,21 +4929,21 @@
                   <a:latin typeface="Arial"/>
                   <a:cs typeface="Arial"/>
                 </a:rPr>
-                <a:t>675</a:t>
+                <a:t>菌株或成分作假，忽悠消费者</a:t>
               </a:r>
             </a:p>
           </p:txBody>
         </p:sp>
         <p:sp>
           <p:nvSpPr>
-            <p:cNvPr id="32" name="tx32"/>
-            <p:cNvSpPr/>
-            <p:nvPr/>
-          </p:nvSpPr>
-          <p:spPr>
-            <a:xfrm>
-              <a:off x="6816118" y="3558759"/>
-              <a:ext cx="180869" cy="79292"/>
+            <p:cNvPr id="53" name="tx53"/>
+            <p:cNvSpPr/>
+            <p:nvPr/>
+          </p:nvSpPr>
+          <p:spPr>
+            <a:xfrm>
+              <a:off x="5226104" y="2346908"/>
+              <a:ext cx="1300860" cy="67753"/>
             </a:xfrm>
             <a:prstGeom prst="rect">
               <a:avLst/>
@@ -4259,21 +4975,21 @@
                   <a:latin typeface="Arial"/>
                   <a:cs typeface="Arial"/>
                 </a:rPr>
-                <a:t>568</a:t>
+                <a:t>不提示安全性风险、使用禁忌等信息</a:t>
               </a:r>
             </a:p>
           </p:txBody>
         </p:sp>
         <p:sp>
           <p:nvSpPr>
-            <p:cNvPr id="33" name="tx33"/>
-            <p:cNvSpPr/>
-            <p:nvPr/>
-          </p:nvSpPr>
-          <p:spPr>
-            <a:xfrm>
-              <a:off x="6242780" y="4121025"/>
-              <a:ext cx="180869" cy="79292"/>
+            <p:cNvPr id="54" name="tx54"/>
+            <p:cNvSpPr/>
+            <p:nvPr/>
+          </p:nvSpPr>
+          <p:spPr>
+            <a:xfrm>
+              <a:off x="4391036" y="2569343"/>
+              <a:ext cx="1463467" cy="67753"/>
             </a:xfrm>
             <a:prstGeom prst="rect">
               <a:avLst/>
@@ -4305,21 +5021,21 @@
                   <a:latin typeface="Arial"/>
                   <a:cs typeface="Arial"/>
                 </a:rPr>
-                <a:t>479</a:t>
+                <a:t>只有单一原料循证，缺乏产品的整体循证</a:t>
               </a:r>
             </a:p>
           </p:txBody>
         </p:sp>
         <p:sp>
           <p:nvSpPr>
-            <p:cNvPr id="34" name="tx34"/>
-            <p:cNvSpPr/>
-            <p:nvPr/>
-          </p:nvSpPr>
-          <p:spPr>
-            <a:xfrm>
-              <a:off x="6237153" y="4698863"/>
-              <a:ext cx="180869" cy="79239"/>
+            <p:cNvPr id="55" name="tx55"/>
+            <p:cNvSpPr/>
+            <p:nvPr/>
+          </p:nvSpPr>
+          <p:spPr>
+            <a:xfrm>
+              <a:off x="5585520" y="2807297"/>
+              <a:ext cx="975645" cy="67753"/>
             </a:xfrm>
             <a:prstGeom prst="rect">
               <a:avLst/>
@@ -4351,21 +5067,21 @@
                   <a:latin typeface="Arial"/>
                   <a:cs typeface="Arial"/>
                 </a:rPr>
-                <a:t>409</a:t>
+                <a:t>过度价格战，无序价格竞争</a:t>
               </a:r>
             </a:p>
           </p:txBody>
         </p:sp>
         <p:sp>
           <p:nvSpPr>
-            <p:cNvPr id="35" name="tx35"/>
-            <p:cNvSpPr/>
-            <p:nvPr/>
-          </p:nvSpPr>
-          <p:spPr>
-            <a:xfrm>
-              <a:off x="3673237" y="5262451"/>
-              <a:ext cx="120579" cy="77916"/>
+            <p:cNvPr id="56" name="tx56"/>
+            <p:cNvSpPr/>
+            <p:nvPr/>
+          </p:nvSpPr>
+          <p:spPr>
+            <a:xfrm>
+              <a:off x="2336555" y="3029732"/>
+              <a:ext cx="243911" cy="67753"/>
             </a:xfrm>
             <a:prstGeom prst="rect">
               <a:avLst/>
@@ -4397,21 +5113,527 @@
                   <a:latin typeface="Arial"/>
                   <a:cs typeface="Arial"/>
                 </a:rPr>
-                <a:t>11</a:t>
+                <a:t>其他：</a:t>
               </a:r>
             </a:p>
           </p:txBody>
         </p:sp>
         <p:sp>
           <p:nvSpPr>
-            <p:cNvPr id="36" name="rc36"/>
-            <p:cNvSpPr/>
-            <p:nvPr/>
-          </p:nvSpPr>
-          <p:spPr>
-            <a:xfrm>
-              <a:off x="3470153" y="1590617"/>
-              <a:ext cx="5466938" cy="4048310"/>
+            <p:cNvPr id="57" name="tx57"/>
+            <p:cNvSpPr/>
+            <p:nvPr/>
+          </p:nvSpPr>
+          <p:spPr>
+            <a:xfrm>
+              <a:off x="2260997" y="3252166"/>
+              <a:ext cx="406518" cy="67753"/>
+            </a:xfrm>
+            <a:prstGeom prst="rect">
+              <a:avLst/>
+            </a:prstGeom>
+            <a:noFill/>
+          </p:spPr>
+          <p:txBody>
+            <a:bodyPr lIns="0" rIns="0" tIns="0" bIns="0" anchorCtr="1" anchor="ctr" wrap="none"/>
+            <a:lstStyle/>
+            <a:p>
+              <a:pPr algn="l" marL="0" marR="0" indent="0">
+                <a:lnSpc>
+                  <a:spcPts val="853"/>
+                </a:lnSpc>
+                <a:spcBef>
+                  <a:spcPts val="0"/>
+                </a:spcBef>
+                <a:spcAft>
+                  <a:spcPts val="0"/>
+                </a:spcAft>
+              </a:pPr>
+              <a:r>
+                <a:rPr sz="853">
+                  <a:solidFill>
+                    <a:srgbClr val="000000">
+                      <a:alpha val="100000"/>
+                    </a:srgbClr>
+                  </a:solidFill>
+                  <a:latin typeface="Arial"/>
+                  <a:cs typeface="Arial"/>
+                </a:rPr>
+                <a:t>安全性评价</a:t>
+              </a:r>
+            </a:p>
+          </p:txBody>
+        </p:sp>
+        <p:sp>
+          <p:nvSpPr>
+            <p:cNvPr id="58" name="tx58"/>
+            <p:cNvSpPr/>
+            <p:nvPr/>
+          </p:nvSpPr>
+          <p:spPr>
+            <a:xfrm>
+              <a:off x="2260997" y="3474601"/>
+              <a:ext cx="487822" cy="67753"/>
+            </a:xfrm>
+            <a:prstGeom prst="rect">
+              <a:avLst/>
+            </a:prstGeom>
+            <a:noFill/>
+          </p:spPr>
+          <p:txBody>
+            <a:bodyPr lIns="0" rIns="0" tIns="0" bIns="0" anchorCtr="1" anchor="ctr" wrap="none"/>
+            <a:lstStyle/>
+            <a:p>
+              <a:pPr algn="l" marL="0" marR="0" indent="0">
+                <a:lnSpc>
+                  <a:spcPts val="853"/>
+                </a:lnSpc>
+                <a:spcBef>
+                  <a:spcPts val="0"/>
+                </a:spcBef>
+                <a:spcAft>
+                  <a:spcPts val="0"/>
+                </a:spcAft>
+              </a:pPr>
+              <a:r>
+                <a:rPr sz="853">
+                  <a:solidFill>
+                    <a:srgbClr val="000000">
+                      <a:alpha val="100000"/>
+                    </a:srgbClr>
+                  </a:solidFill>
+                  <a:latin typeface="Arial"/>
+                  <a:cs typeface="Arial"/>
+                </a:rPr>
+                <a:t>多大胆多大产</a:t>
+              </a:r>
+            </a:p>
+          </p:txBody>
+        </p:sp>
+        <p:sp>
+          <p:nvSpPr>
+            <p:cNvPr id="59" name="tx59"/>
+            <p:cNvSpPr/>
+            <p:nvPr/>
+          </p:nvSpPr>
+          <p:spPr>
+            <a:xfrm>
+              <a:off x="2260997" y="3697036"/>
+              <a:ext cx="569126" cy="67753"/>
+            </a:xfrm>
+            <a:prstGeom prst="rect">
+              <a:avLst/>
+            </a:prstGeom>
+            <a:noFill/>
+          </p:spPr>
+          <p:txBody>
+            <a:bodyPr lIns="0" rIns="0" tIns="0" bIns="0" anchorCtr="1" anchor="ctr" wrap="none"/>
+            <a:lstStyle/>
+            <a:p>
+              <a:pPr algn="l" marL="0" marR="0" indent="0">
+                <a:lnSpc>
+                  <a:spcPts val="853"/>
+                </a:lnSpc>
+                <a:spcBef>
+                  <a:spcPts val="0"/>
+                </a:spcBef>
+                <a:spcAft>
+                  <a:spcPts val="0"/>
+                </a:spcAft>
+              </a:pPr>
+              <a:r>
+                <a:rPr sz="853">
+                  <a:solidFill>
+                    <a:srgbClr val="000000">
+                      <a:alpha val="100000"/>
+                    </a:srgbClr>
+                  </a:solidFill>
+                  <a:latin typeface="Arial"/>
+                  <a:cs typeface="Arial"/>
+                </a:rPr>
+                <a:t>过度商业化运作</a:t>
+              </a:r>
+            </a:p>
+          </p:txBody>
+        </p:sp>
+        <p:sp>
+          <p:nvSpPr>
+            <p:cNvPr id="60" name="tx60"/>
+            <p:cNvSpPr/>
+            <p:nvPr/>
+          </p:nvSpPr>
+          <p:spPr>
+            <a:xfrm>
+              <a:off x="2260997" y="3919470"/>
+              <a:ext cx="2439112" cy="67753"/>
+            </a:xfrm>
+            <a:prstGeom prst="rect">
+              <a:avLst/>
+            </a:prstGeom>
+            <a:noFill/>
+          </p:spPr>
+          <p:txBody>
+            <a:bodyPr lIns="0" rIns="0" tIns="0" bIns="0" anchorCtr="1" anchor="ctr" wrap="none"/>
+            <a:lstStyle/>
+            <a:p>
+              <a:pPr algn="l" marL="0" marR="0" indent="0">
+                <a:lnSpc>
+                  <a:spcPts val="853"/>
+                </a:lnSpc>
+                <a:spcBef>
+                  <a:spcPts val="0"/>
+                </a:spcBef>
+                <a:spcAft>
+                  <a:spcPts val="0"/>
+                </a:spcAft>
+              </a:pPr>
+              <a:r>
+                <a:rPr sz="853">
+                  <a:solidFill>
+                    <a:srgbClr val="000000">
+                      <a:alpha val="100000"/>
+                    </a:srgbClr>
+                  </a:solidFill>
+                  <a:latin typeface="Arial"/>
+                  <a:cs typeface="Arial"/>
+                </a:rPr>
+                <a:t>忽视益生菌与受众个体原有菌群的潜在相互作用，忽略相关的副反应</a:t>
+              </a:r>
+            </a:p>
+          </p:txBody>
+        </p:sp>
+        <p:sp>
+          <p:nvSpPr>
+            <p:cNvPr id="61" name="tx61"/>
+            <p:cNvSpPr/>
+            <p:nvPr/>
+          </p:nvSpPr>
+          <p:spPr>
+            <a:xfrm>
+              <a:off x="2260997" y="4141905"/>
+              <a:ext cx="975645" cy="67753"/>
+            </a:xfrm>
+            <a:prstGeom prst="rect">
+              <a:avLst/>
+            </a:prstGeom>
+            <a:noFill/>
+          </p:spPr>
+          <p:txBody>
+            <a:bodyPr lIns="0" rIns="0" tIns="0" bIns="0" anchorCtr="1" anchor="ctr" wrap="none"/>
+            <a:lstStyle/>
+            <a:p>
+              <a:pPr algn="l" marL="0" marR="0" indent="0">
+                <a:lnSpc>
+                  <a:spcPts val="853"/>
+                </a:lnSpc>
+                <a:spcBef>
+                  <a:spcPts val="0"/>
+                </a:spcBef>
+                <a:spcAft>
+                  <a:spcPts val="0"/>
+                </a:spcAft>
+              </a:pPr>
+              <a:r>
+                <a:rPr sz="853">
+                  <a:solidFill>
+                    <a:srgbClr val="000000">
+                      <a:alpha val="100000"/>
+                    </a:srgbClr>
+                  </a:solidFill>
+                  <a:latin typeface="Arial"/>
+                  <a:cs typeface="Arial"/>
+                </a:rPr>
+                <a:t>可能也会产生耐药性的问题</a:t>
+              </a:r>
+            </a:p>
+          </p:txBody>
+        </p:sp>
+        <p:sp>
+          <p:nvSpPr>
+            <p:cNvPr id="62" name="tx62"/>
+            <p:cNvSpPr/>
+            <p:nvPr/>
+          </p:nvSpPr>
+          <p:spPr>
+            <a:xfrm>
+              <a:off x="2260997" y="4364339"/>
+              <a:ext cx="325215" cy="67753"/>
+            </a:xfrm>
+            <a:prstGeom prst="rect">
+              <a:avLst/>
+            </a:prstGeom>
+            <a:noFill/>
+          </p:spPr>
+          <p:txBody>
+            <a:bodyPr lIns="0" rIns="0" tIns="0" bIns="0" anchorCtr="1" anchor="ctr" wrap="none"/>
+            <a:lstStyle/>
+            <a:p>
+              <a:pPr algn="l" marL="0" marR="0" indent="0">
+                <a:lnSpc>
+                  <a:spcPts val="853"/>
+                </a:lnSpc>
+                <a:spcBef>
+                  <a:spcPts val="0"/>
+                </a:spcBef>
+                <a:spcAft>
+                  <a:spcPts val="0"/>
+                </a:spcAft>
+              </a:pPr>
+              <a:r>
+                <a:rPr sz="853">
+                  <a:solidFill>
+                    <a:srgbClr val="000000">
+                      <a:alpha val="100000"/>
+                    </a:srgbClr>
+                  </a:solidFill>
+                  <a:latin typeface="Arial"/>
+                  <a:cs typeface="Arial"/>
+                </a:rPr>
+                <a:t>利益为上</a:t>
+              </a:r>
+            </a:p>
+          </p:txBody>
+        </p:sp>
+        <p:sp>
+          <p:nvSpPr>
+            <p:cNvPr id="63" name="tx63"/>
+            <p:cNvSpPr/>
+            <p:nvPr/>
+          </p:nvSpPr>
+          <p:spPr>
+            <a:xfrm>
+              <a:off x="2260997" y="4586774"/>
+              <a:ext cx="1138252" cy="67753"/>
+            </a:xfrm>
+            <a:prstGeom prst="rect">
+              <a:avLst/>
+            </a:prstGeom>
+            <a:noFill/>
+          </p:spPr>
+          <p:txBody>
+            <a:bodyPr lIns="0" rIns="0" tIns="0" bIns="0" anchorCtr="1" anchor="ctr" wrap="none"/>
+            <a:lstStyle/>
+            <a:p>
+              <a:pPr algn="l" marL="0" marR="0" indent="0">
+                <a:lnSpc>
+                  <a:spcPts val="853"/>
+                </a:lnSpc>
+                <a:spcBef>
+                  <a:spcPts val="0"/>
+                </a:spcBef>
+                <a:spcAft>
+                  <a:spcPts val="0"/>
+                </a:spcAft>
+              </a:pPr>
+              <a:r>
+                <a:rPr sz="853">
+                  <a:solidFill>
+                    <a:srgbClr val="000000">
+                      <a:alpha val="100000"/>
+                    </a:srgbClr>
+                  </a:solidFill>
+                  <a:latin typeface="Arial"/>
+                  <a:cs typeface="Arial"/>
+                </a:rPr>
+                <a:t>没有到达肠道驻留地的活菌计数</a:t>
+              </a:r>
+            </a:p>
+          </p:txBody>
+        </p:sp>
+        <p:sp>
+          <p:nvSpPr>
+            <p:cNvPr id="64" name="tx64"/>
+            <p:cNvSpPr/>
+            <p:nvPr/>
+          </p:nvSpPr>
+          <p:spPr>
+            <a:xfrm>
+              <a:off x="2260997" y="4809209"/>
+              <a:ext cx="650430" cy="67753"/>
+            </a:xfrm>
+            <a:prstGeom prst="rect">
+              <a:avLst/>
+            </a:prstGeom>
+            <a:noFill/>
+          </p:spPr>
+          <p:txBody>
+            <a:bodyPr lIns="0" rIns="0" tIns="0" bIns="0" anchorCtr="1" anchor="ctr" wrap="none"/>
+            <a:lstStyle/>
+            <a:p>
+              <a:pPr algn="l" marL="0" marR="0" indent="0">
+                <a:lnSpc>
+                  <a:spcPts val="853"/>
+                </a:lnSpc>
+                <a:spcBef>
+                  <a:spcPts val="0"/>
+                </a:spcBef>
+                <a:spcAft>
+                  <a:spcPts val="0"/>
+                </a:spcAft>
+              </a:pPr>
+              <a:r>
+                <a:rPr sz="853">
+                  <a:solidFill>
+                    <a:srgbClr val="000000">
+                      <a:alpha val="100000"/>
+                    </a:srgbClr>
+                  </a:solidFill>
+                  <a:latin typeface="Arial"/>
+                  <a:cs typeface="Arial"/>
+                </a:rPr>
+                <a:t>没有足够科学证据</a:t>
+              </a:r>
+            </a:p>
+          </p:txBody>
+        </p:sp>
+        <p:sp>
+          <p:nvSpPr>
+            <p:cNvPr id="65" name="tx65"/>
+            <p:cNvSpPr/>
+            <p:nvPr/>
+          </p:nvSpPr>
+          <p:spPr>
+            <a:xfrm>
+              <a:off x="2260997" y="5031643"/>
+              <a:ext cx="2113897" cy="67753"/>
+            </a:xfrm>
+            <a:prstGeom prst="rect">
+              <a:avLst/>
+            </a:prstGeom>
+            <a:noFill/>
+          </p:spPr>
+          <p:txBody>
+            <a:bodyPr lIns="0" rIns="0" tIns="0" bIns="0" anchorCtr="1" anchor="ctr" wrap="none"/>
+            <a:lstStyle/>
+            <a:p>
+              <a:pPr algn="l" marL="0" marR="0" indent="0">
+                <a:lnSpc>
+                  <a:spcPts val="853"/>
+                </a:lnSpc>
+                <a:spcBef>
+                  <a:spcPts val="0"/>
+                </a:spcBef>
+                <a:spcAft>
+                  <a:spcPts val="0"/>
+                </a:spcAft>
+              </a:pPr>
+              <a:r>
+                <a:rPr sz="853">
+                  <a:solidFill>
+                    <a:srgbClr val="000000">
+                      <a:alpha val="100000"/>
+                    </a:srgbClr>
+                  </a:solidFill>
+                  <a:latin typeface="Arial"/>
+                  <a:cs typeface="Arial"/>
+                </a:rPr>
+                <a:t>每株菌的功能都不一样，需要在包装上注明是针对何种功能</a:t>
+              </a:r>
+            </a:p>
+          </p:txBody>
+        </p:sp>
+        <p:sp>
+          <p:nvSpPr>
+            <p:cNvPr id="66" name="tx66"/>
+            <p:cNvSpPr/>
+            <p:nvPr/>
+          </p:nvSpPr>
+          <p:spPr>
+            <a:xfrm>
+              <a:off x="2260997" y="5254078"/>
+              <a:ext cx="1382163" cy="67753"/>
+            </a:xfrm>
+            <a:prstGeom prst="rect">
+              <a:avLst/>
+            </a:prstGeom>
+            <a:noFill/>
+          </p:spPr>
+          <p:txBody>
+            <a:bodyPr lIns="0" rIns="0" tIns="0" bIns="0" anchorCtr="1" anchor="ctr" wrap="none"/>
+            <a:lstStyle/>
+            <a:p>
+              <a:pPr algn="l" marL="0" marR="0" indent="0">
+                <a:lnSpc>
+                  <a:spcPts val="853"/>
+                </a:lnSpc>
+                <a:spcBef>
+                  <a:spcPts val="0"/>
+                </a:spcBef>
+                <a:spcAft>
+                  <a:spcPts val="0"/>
+                </a:spcAft>
+              </a:pPr>
+              <a:r>
+                <a:rPr sz="853">
+                  <a:solidFill>
+                    <a:srgbClr val="000000">
+                      <a:alpha val="100000"/>
+                    </a:srgbClr>
+                  </a:solidFill>
+                  <a:latin typeface="Arial"/>
+                  <a:cs typeface="Arial"/>
+                </a:rPr>
+                <a:t>缺少精准的菌株补充检测，当成万能药</a:t>
+              </a:r>
+            </a:p>
+          </p:txBody>
+        </p:sp>
+        <p:sp>
+          <p:nvSpPr>
+            <p:cNvPr id="67" name="tx67"/>
+            <p:cNvSpPr/>
+            <p:nvPr/>
+          </p:nvSpPr>
+          <p:spPr>
+            <a:xfrm>
+              <a:off x="2260997" y="5476513"/>
+              <a:ext cx="894341" cy="67753"/>
+            </a:xfrm>
+            <a:prstGeom prst="rect">
+              <a:avLst/>
+            </a:prstGeom>
+            <a:noFill/>
+          </p:spPr>
+          <p:txBody>
+            <a:bodyPr lIns="0" rIns="0" tIns="0" bIns="0" anchorCtr="1" anchor="ctr" wrap="none"/>
+            <a:lstStyle/>
+            <a:p>
+              <a:pPr algn="l" marL="0" marR="0" indent="0">
+                <a:lnSpc>
+                  <a:spcPts val="853"/>
+                </a:lnSpc>
+                <a:spcBef>
+                  <a:spcPts val="0"/>
+                </a:spcBef>
+                <a:spcAft>
+                  <a:spcPts val="0"/>
+                </a:spcAft>
+              </a:pPr>
+              <a:r>
+                <a:rPr sz="853">
+                  <a:solidFill>
+                    <a:srgbClr val="000000">
+                      <a:alpha val="100000"/>
+                    </a:srgbClr>
+                  </a:solidFill>
+                  <a:latin typeface="Arial"/>
+                  <a:cs typeface="Arial"/>
+                </a:rPr>
+                <a:t>针对不同疾病的菌株建议</a:t>
+              </a:r>
+            </a:p>
+          </p:txBody>
+        </p:sp>
+        <p:sp>
+          <p:nvSpPr>
+            <p:cNvPr id="68" name="rc68"/>
+            <p:cNvSpPr/>
+            <p:nvPr/>
+          </p:nvSpPr>
+          <p:spPr>
+            <a:xfrm>
+              <a:off x="2085704" y="1590617"/>
+              <a:ext cx="6851387" cy="4048310"/>
             </a:xfrm>
             <a:prstGeom prst="rect">
               <a:avLst/>
@@ -4434,14 +5656,14 @@
         </p:sp>
         <p:sp>
           <p:nvSpPr>
-            <p:cNvPr id="37" name="tx37"/>
-            <p:cNvSpPr/>
-            <p:nvPr/>
-          </p:nvSpPr>
-          <p:spPr>
-            <a:xfrm>
-              <a:off x="3183899" y="5271718"/>
-              <a:ext cx="251460" cy="69850"/>
+            <p:cNvPr id="69" name="tx69"/>
+            <p:cNvSpPr/>
+            <p:nvPr/>
+          </p:nvSpPr>
+          <p:spPr>
+            <a:xfrm>
+              <a:off x="1926599" y="5463720"/>
+              <a:ext cx="124311" cy="81746"/>
             </a:xfrm>
             <a:prstGeom prst="rect">
               <a:avLst/>
@@ -4473,21 +5695,21 @@
                   <a:latin typeface="Arial"/>
                   <a:cs typeface="Arial"/>
                 </a:rPr>
-                <a:t>其他：</a:t>
+                <a:t>18</a:t>
               </a:r>
             </a:p>
           </p:txBody>
         </p:sp>
         <p:sp>
           <p:nvSpPr>
-            <p:cNvPr id="38" name="tx38"/>
-            <p:cNvSpPr/>
-            <p:nvPr/>
-          </p:nvSpPr>
-          <p:spPr>
-            <a:xfrm>
-              <a:off x="2429519" y="4709453"/>
-              <a:ext cx="1005839" cy="69850"/>
+            <p:cNvPr id="70" name="tx70"/>
+            <p:cNvSpPr/>
+            <p:nvPr/>
+          </p:nvSpPr>
+          <p:spPr>
+            <a:xfrm>
+              <a:off x="1926599" y="5242705"/>
+              <a:ext cx="124311" cy="80327"/>
             </a:xfrm>
             <a:prstGeom prst="rect">
               <a:avLst/>
@@ -4519,21 +5741,21 @@
                   <a:latin typeface="Arial"/>
                   <a:cs typeface="Arial"/>
                 </a:rPr>
-                <a:t>过度价格战，无序价格竞争</a:t>
+                <a:t>17</a:t>
               </a:r>
             </a:p>
           </p:txBody>
         </p:sp>
         <p:sp>
           <p:nvSpPr>
-            <p:cNvPr id="39" name="tx39"/>
-            <p:cNvSpPr/>
-            <p:nvPr/>
-          </p:nvSpPr>
-          <p:spPr>
-            <a:xfrm>
-              <a:off x="1926599" y="4147187"/>
-              <a:ext cx="1508759" cy="69850"/>
+            <p:cNvPr id="71" name="tx71"/>
+            <p:cNvSpPr/>
+            <p:nvPr/>
+          </p:nvSpPr>
+          <p:spPr>
+            <a:xfrm>
+              <a:off x="1926599" y="5018906"/>
+              <a:ext cx="124311" cy="81691"/>
             </a:xfrm>
             <a:prstGeom prst="rect">
               <a:avLst/>
@@ -4565,21 +5787,21 @@
                   <a:latin typeface="Arial"/>
                   <a:cs typeface="Arial"/>
                 </a:rPr>
-                <a:t>只有单一原料循证，缺乏产品的整体循证</a:t>
+                <a:t>16</a:t>
               </a:r>
             </a:p>
           </p:txBody>
         </p:sp>
         <p:sp>
           <p:nvSpPr>
-            <p:cNvPr id="40" name="tx40"/>
-            <p:cNvSpPr/>
-            <p:nvPr/>
-          </p:nvSpPr>
-          <p:spPr>
-            <a:xfrm>
-              <a:off x="2094239" y="3584922"/>
-              <a:ext cx="1341119" cy="69850"/>
+            <p:cNvPr id="72" name="tx72"/>
+            <p:cNvSpPr/>
+            <p:nvPr/>
+          </p:nvSpPr>
+          <p:spPr>
+            <a:xfrm>
+              <a:off x="1926599" y="4796471"/>
+              <a:ext cx="124311" cy="81691"/>
             </a:xfrm>
             <a:prstGeom prst="rect">
               <a:avLst/>
@@ -4611,21 +5833,21 @@
                   <a:latin typeface="Arial"/>
                   <a:cs typeface="Arial"/>
                 </a:rPr>
-                <a:t>不提示安全性风险、使用禁忌等信息</a:t>
+                <a:t>15</a:t>
               </a:r>
             </a:p>
           </p:txBody>
         </p:sp>
         <p:sp>
           <p:nvSpPr>
-            <p:cNvPr id="41" name="tx41"/>
-            <p:cNvSpPr/>
-            <p:nvPr/>
-          </p:nvSpPr>
-          <p:spPr>
-            <a:xfrm>
-              <a:off x="2429519" y="3022657"/>
-              <a:ext cx="1005839" cy="69850"/>
+            <p:cNvPr id="73" name="tx73"/>
+            <p:cNvSpPr/>
+            <p:nvPr/>
+          </p:nvSpPr>
+          <p:spPr>
+            <a:xfrm>
+              <a:off x="1926599" y="4575401"/>
+              <a:ext cx="124311" cy="80327"/>
             </a:xfrm>
             <a:prstGeom prst="rect">
               <a:avLst/>
@@ -4657,21 +5879,21 @@
                   <a:latin typeface="Arial"/>
                   <a:cs typeface="Arial"/>
                 </a:rPr>
-                <a:t>缺乏循证证据就去宣称功能</a:t>
+                <a:t>14</a:t>
               </a:r>
             </a:p>
           </p:txBody>
         </p:sp>
         <p:sp>
           <p:nvSpPr>
-            <p:cNvPr id="42" name="tx42"/>
-            <p:cNvSpPr/>
-            <p:nvPr/>
-          </p:nvSpPr>
-          <p:spPr>
-            <a:xfrm>
-              <a:off x="2345699" y="2460391"/>
-              <a:ext cx="1089659" cy="69850"/>
+            <p:cNvPr id="74" name="tx74"/>
+            <p:cNvSpPr/>
+            <p:nvPr/>
+          </p:nvSpPr>
+          <p:spPr>
+            <a:xfrm>
+              <a:off x="1926599" y="4351602"/>
+              <a:ext cx="124311" cy="81691"/>
             </a:xfrm>
             <a:prstGeom prst="rect">
               <a:avLst/>
@@ -4703,21 +5925,21 @@
                   <a:latin typeface="Arial"/>
                   <a:cs typeface="Arial"/>
                 </a:rPr>
-                <a:t>菌株或成分作假，忽悠消费者</a:t>
+                <a:t>13</a:t>
               </a:r>
             </a:p>
           </p:txBody>
         </p:sp>
         <p:sp>
           <p:nvSpPr>
-            <p:cNvPr id="43" name="tx43"/>
-            <p:cNvSpPr/>
-            <p:nvPr/>
-          </p:nvSpPr>
-          <p:spPr>
-            <a:xfrm>
-              <a:off x="2010419" y="1898126"/>
-              <a:ext cx="1424939" cy="69850"/>
+            <p:cNvPr id="75" name="tx75"/>
+            <p:cNvSpPr/>
+            <p:nvPr/>
+          </p:nvSpPr>
+          <p:spPr>
+            <a:xfrm>
+              <a:off x="1926599" y="4130531"/>
+              <a:ext cx="124311" cy="80327"/>
             </a:xfrm>
             <a:prstGeom prst="rect">
               <a:avLst/>
@@ -4749,20 +5971,526 @@
                   <a:latin typeface="Arial"/>
                   <a:cs typeface="Arial"/>
                 </a:rPr>
-                <a:t>过度拔高益生菌的功能，宣称包治百病</a:t>
+                <a:t>12</a:t>
               </a:r>
             </a:p>
           </p:txBody>
         </p:sp>
         <p:sp>
           <p:nvSpPr>
-            <p:cNvPr id="44" name="pl44"/>
-            <p:cNvSpPr/>
-            <p:nvPr/>
-          </p:nvSpPr>
-          <p:spPr>
-            <a:xfrm>
-              <a:off x="3435359" y="5301568"/>
+            <p:cNvPr id="76" name="tx76"/>
+            <p:cNvSpPr/>
+            <p:nvPr/>
+          </p:nvSpPr>
+          <p:spPr>
+            <a:xfrm>
+              <a:off x="1926599" y="3908097"/>
+              <a:ext cx="124311" cy="80327"/>
+            </a:xfrm>
+            <a:prstGeom prst="rect">
+              <a:avLst/>
+            </a:prstGeom>
+            <a:noFill/>
+          </p:spPr>
+          <p:txBody>
+            <a:bodyPr lIns="0" rIns="0" tIns="0" bIns="0" anchorCtr="1" anchor="ctr" wrap="none"/>
+            <a:lstStyle/>
+            <a:p>
+              <a:pPr algn="l" marL="0" marR="0" indent="0">
+                <a:lnSpc>
+                  <a:spcPts val="880"/>
+                </a:lnSpc>
+                <a:spcBef>
+                  <a:spcPts val="0"/>
+                </a:spcBef>
+                <a:spcAft>
+                  <a:spcPts val="0"/>
+                </a:spcAft>
+              </a:pPr>
+              <a:r>
+                <a:rPr sz="880" b="1">
+                  <a:solidFill>
+                    <a:srgbClr val="4D4D4D">
+                      <a:alpha val="100000"/>
+                    </a:srgbClr>
+                  </a:solidFill>
+                  <a:latin typeface="Arial"/>
+                  <a:cs typeface="Arial"/>
+                </a:rPr>
+                <a:t>11</a:t>
+              </a:r>
+            </a:p>
+          </p:txBody>
+        </p:sp>
+        <p:sp>
+          <p:nvSpPr>
+            <p:cNvPr id="77" name="tx77"/>
+            <p:cNvSpPr/>
+            <p:nvPr/>
+          </p:nvSpPr>
+          <p:spPr>
+            <a:xfrm>
+              <a:off x="1926599" y="3684298"/>
+              <a:ext cx="124311" cy="81691"/>
+            </a:xfrm>
+            <a:prstGeom prst="rect">
+              <a:avLst/>
+            </a:prstGeom>
+            <a:noFill/>
+          </p:spPr>
+          <p:txBody>
+            <a:bodyPr lIns="0" rIns="0" tIns="0" bIns="0" anchorCtr="1" anchor="ctr" wrap="none"/>
+            <a:lstStyle/>
+            <a:p>
+              <a:pPr algn="l" marL="0" marR="0" indent="0">
+                <a:lnSpc>
+                  <a:spcPts val="880"/>
+                </a:lnSpc>
+                <a:spcBef>
+                  <a:spcPts val="0"/>
+                </a:spcBef>
+                <a:spcAft>
+                  <a:spcPts val="0"/>
+                </a:spcAft>
+              </a:pPr>
+              <a:r>
+                <a:rPr sz="880" b="1">
+                  <a:solidFill>
+                    <a:srgbClr val="4D4D4D">
+                      <a:alpha val="100000"/>
+                    </a:srgbClr>
+                  </a:solidFill>
+                  <a:latin typeface="Arial"/>
+                  <a:cs typeface="Arial"/>
+                </a:rPr>
+                <a:t>10</a:t>
+              </a:r>
+            </a:p>
+          </p:txBody>
+        </p:sp>
+        <p:sp>
+          <p:nvSpPr>
+            <p:cNvPr id="78" name="tx78"/>
+            <p:cNvSpPr/>
+            <p:nvPr/>
+          </p:nvSpPr>
+          <p:spPr>
+            <a:xfrm>
+              <a:off x="1988754" y="3461808"/>
+              <a:ext cx="62155" cy="81746"/>
+            </a:xfrm>
+            <a:prstGeom prst="rect">
+              <a:avLst/>
+            </a:prstGeom>
+            <a:noFill/>
+          </p:spPr>
+          <p:txBody>
+            <a:bodyPr lIns="0" rIns="0" tIns="0" bIns="0" anchorCtr="1" anchor="ctr" wrap="none"/>
+            <a:lstStyle/>
+            <a:p>
+              <a:pPr algn="l" marL="0" marR="0" indent="0">
+                <a:lnSpc>
+                  <a:spcPts val="880"/>
+                </a:lnSpc>
+                <a:spcBef>
+                  <a:spcPts val="0"/>
+                </a:spcBef>
+                <a:spcAft>
+                  <a:spcPts val="0"/>
+                </a:spcAft>
+              </a:pPr>
+              <a:r>
+                <a:rPr sz="880" b="1">
+                  <a:solidFill>
+                    <a:srgbClr val="4D4D4D">
+                      <a:alpha val="100000"/>
+                    </a:srgbClr>
+                  </a:solidFill>
+                  <a:latin typeface="Arial"/>
+                  <a:cs typeface="Arial"/>
+                </a:rPr>
+                <a:t>9</a:t>
+              </a:r>
+            </a:p>
+          </p:txBody>
+        </p:sp>
+        <p:sp>
+          <p:nvSpPr>
+            <p:cNvPr id="79" name="tx79"/>
+            <p:cNvSpPr/>
+            <p:nvPr/>
+          </p:nvSpPr>
+          <p:spPr>
+            <a:xfrm>
+              <a:off x="1988754" y="3239374"/>
+              <a:ext cx="62155" cy="81746"/>
+            </a:xfrm>
+            <a:prstGeom prst="rect">
+              <a:avLst/>
+            </a:prstGeom>
+            <a:noFill/>
+          </p:spPr>
+          <p:txBody>
+            <a:bodyPr lIns="0" rIns="0" tIns="0" bIns="0" anchorCtr="1" anchor="ctr" wrap="none"/>
+            <a:lstStyle/>
+            <a:p>
+              <a:pPr algn="l" marL="0" marR="0" indent="0">
+                <a:lnSpc>
+                  <a:spcPts val="880"/>
+                </a:lnSpc>
+                <a:spcBef>
+                  <a:spcPts val="0"/>
+                </a:spcBef>
+                <a:spcAft>
+                  <a:spcPts val="0"/>
+                </a:spcAft>
+              </a:pPr>
+              <a:r>
+                <a:rPr sz="880" b="1">
+                  <a:solidFill>
+                    <a:srgbClr val="4D4D4D">
+                      <a:alpha val="100000"/>
+                    </a:srgbClr>
+                  </a:solidFill>
+                  <a:latin typeface="Arial"/>
+                  <a:cs typeface="Arial"/>
+                </a:rPr>
+                <a:t>8</a:t>
+              </a:r>
+            </a:p>
+          </p:txBody>
+        </p:sp>
+        <p:sp>
+          <p:nvSpPr>
+            <p:cNvPr id="80" name="tx80"/>
+            <p:cNvSpPr/>
+            <p:nvPr/>
+          </p:nvSpPr>
+          <p:spPr>
+            <a:xfrm>
+              <a:off x="1988754" y="3019777"/>
+              <a:ext cx="62155" cy="78908"/>
+            </a:xfrm>
+            <a:prstGeom prst="rect">
+              <a:avLst/>
+            </a:prstGeom>
+            <a:noFill/>
+          </p:spPr>
+          <p:txBody>
+            <a:bodyPr lIns="0" rIns="0" tIns="0" bIns="0" anchorCtr="1" anchor="ctr" wrap="none"/>
+            <a:lstStyle/>
+            <a:p>
+              <a:pPr algn="l" marL="0" marR="0" indent="0">
+                <a:lnSpc>
+                  <a:spcPts val="880"/>
+                </a:lnSpc>
+                <a:spcBef>
+                  <a:spcPts val="0"/>
+                </a:spcBef>
+                <a:spcAft>
+                  <a:spcPts val="0"/>
+                </a:spcAft>
+              </a:pPr>
+              <a:r>
+                <a:rPr sz="880" b="1">
+                  <a:solidFill>
+                    <a:srgbClr val="4D4D4D">
+                      <a:alpha val="100000"/>
+                    </a:srgbClr>
+                  </a:solidFill>
+                  <a:latin typeface="Arial"/>
+                  <a:cs typeface="Arial"/>
+                </a:rPr>
+                <a:t>7</a:t>
+              </a:r>
+            </a:p>
+          </p:txBody>
+        </p:sp>
+        <p:sp>
+          <p:nvSpPr>
+            <p:cNvPr id="81" name="tx81"/>
+            <p:cNvSpPr/>
+            <p:nvPr/>
+          </p:nvSpPr>
+          <p:spPr>
+            <a:xfrm>
+              <a:off x="1988754" y="2794559"/>
+              <a:ext cx="62155" cy="81691"/>
+            </a:xfrm>
+            <a:prstGeom prst="rect">
+              <a:avLst/>
+            </a:prstGeom>
+            <a:noFill/>
+          </p:spPr>
+          <p:txBody>
+            <a:bodyPr lIns="0" rIns="0" tIns="0" bIns="0" anchorCtr="1" anchor="ctr" wrap="none"/>
+            <a:lstStyle/>
+            <a:p>
+              <a:pPr algn="l" marL="0" marR="0" indent="0">
+                <a:lnSpc>
+                  <a:spcPts val="880"/>
+                </a:lnSpc>
+                <a:spcBef>
+                  <a:spcPts val="0"/>
+                </a:spcBef>
+                <a:spcAft>
+                  <a:spcPts val="0"/>
+                </a:spcAft>
+              </a:pPr>
+              <a:r>
+                <a:rPr sz="880" b="1">
+                  <a:solidFill>
+                    <a:srgbClr val="4D4D4D">
+                      <a:alpha val="100000"/>
+                    </a:srgbClr>
+                  </a:solidFill>
+                  <a:latin typeface="Arial"/>
+                  <a:cs typeface="Arial"/>
+                </a:rPr>
+                <a:t>6</a:t>
+              </a:r>
+            </a:p>
+          </p:txBody>
+        </p:sp>
+        <p:sp>
+          <p:nvSpPr>
+            <p:cNvPr id="82" name="tx82"/>
+            <p:cNvSpPr/>
+            <p:nvPr/>
+          </p:nvSpPr>
+          <p:spPr>
+            <a:xfrm>
+              <a:off x="1988754" y="2573543"/>
+              <a:ext cx="62155" cy="80272"/>
+            </a:xfrm>
+            <a:prstGeom prst="rect">
+              <a:avLst/>
+            </a:prstGeom>
+            <a:noFill/>
+          </p:spPr>
+          <p:txBody>
+            <a:bodyPr lIns="0" rIns="0" tIns="0" bIns="0" anchorCtr="1" anchor="ctr" wrap="none"/>
+            <a:lstStyle/>
+            <a:p>
+              <a:pPr algn="l" marL="0" marR="0" indent="0">
+                <a:lnSpc>
+                  <a:spcPts val="880"/>
+                </a:lnSpc>
+                <a:spcBef>
+                  <a:spcPts val="0"/>
+                </a:spcBef>
+                <a:spcAft>
+                  <a:spcPts val="0"/>
+                </a:spcAft>
+              </a:pPr>
+              <a:r>
+                <a:rPr sz="880" b="1">
+                  <a:solidFill>
+                    <a:srgbClr val="4D4D4D">
+                      <a:alpha val="100000"/>
+                    </a:srgbClr>
+                  </a:solidFill>
+                  <a:latin typeface="Arial"/>
+                  <a:cs typeface="Arial"/>
+                </a:rPr>
+                <a:t>5</a:t>
+              </a:r>
+            </a:p>
+          </p:txBody>
+        </p:sp>
+        <p:sp>
+          <p:nvSpPr>
+            <p:cNvPr id="83" name="tx83"/>
+            <p:cNvSpPr/>
+            <p:nvPr/>
+          </p:nvSpPr>
+          <p:spPr>
+            <a:xfrm>
+              <a:off x="1988754" y="2351054"/>
+              <a:ext cx="62155" cy="80327"/>
+            </a:xfrm>
+            <a:prstGeom prst="rect">
+              <a:avLst/>
+            </a:prstGeom>
+            <a:noFill/>
+          </p:spPr>
+          <p:txBody>
+            <a:bodyPr lIns="0" rIns="0" tIns="0" bIns="0" anchorCtr="1" anchor="ctr" wrap="none"/>
+            <a:lstStyle/>
+            <a:p>
+              <a:pPr algn="l" marL="0" marR="0" indent="0">
+                <a:lnSpc>
+                  <a:spcPts val="880"/>
+                </a:lnSpc>
+                <a:spcBef>
+                  <a:spcPts val="0"/>
+                </a:spcBef>
+                <a:spcAft>
+                  <a:spcPts val="0"/>
+                </a:spcAft>
+              </a:pPr>
+              <a:r>
+                <a:rPr sz="880" b="1">
+                  <a:solidFill>
+                    <a:srgbClr val="4D4D4D">
+                      <a:alpha val="100000"/>
+                    </a:srgbClr>
+                  </a:solidFill>
+                  <a:latin typeface="Arial"/>
+                  <a:cs typeface="Arial"/>
+                </a:rPr>
+                <a:t>4</a:t>
+              </a:r>
+            </a:p>
+          </p:txBody>
+        </p:sp>
+        <p:sp>
+          <p:nvSpPr>
+            <p:cNvPr id="84" name="tx84"/>
+            <p:cNvSpPr/>
+            <p:nvPr/>
+          </p:nvSpPr>
+          <p:spPr>
+            <a:xfrm>
+              <a:off x="1988754" y="2127255"/>
+              <a:ext cx="62155" cy="81691"/>
+            </a:xfrm>
+            <a:prstGeom prst="rect">
+              <a:avLst/>
+            </a:prstGeom>
+            <a:noFill/>
+          </p:spPr>
+          <p:txBody>
+            <a:bodyPr lIns="0" rIns="0" tIns="0" bIns="0" anchorCtr="1" anchor="ctr" wrap="none"/>
+            <a:lstStyle/>
+            <a:p>
+              <a:pPr algn="l" marL="0" marR="0" indent="0">
+                <a:lnSpc>
+                  <a:spcPts val="880"/>
+                </a:lnSpc>
+                <a:spcBef>
+                  <a:spcPts val="0"/>
+                </a:spcBef>
+                <a:spcAft>
+                  <a:spcPts val="0"/>
+                </a:spcAft>
+              </a:pPr>
+              <a:r>
+                <a:rPr sz="880" b="1">
+                  <a:solidFill>
+                    <a:srgbClr val="4D4D4D">
+                      <a:alpha val="100000"/>
+                    </a:srgbClr>
+                  </a:solidFill>
+                  <a:latin typeface="Arial"/>
+                  <a:cs typeface="Arial"/>
+                </a:rPr>
+                <a:t>3</a:t>
+              </a:r>
+            </a:p>
+          </p:txBody>
+        </p:sp>
+        <p:sp>
+          <p:nvSpPr>
+            <p:cNvPr id="85" name="tx85"/>
+            <p:cNvSpPr/>
+            <p:nvPr/>
+          </p:nvSpPr>
+          <p:spPr>
+            <a:xfrm>
+              <a:off x="1988754" y="1906185"/>
+              <a:ext cx="62155" cy="80327"/>
+            </a:xfrm>
+            <a:prstGeom prst="rect">
+              <a:avLst/>
+            </a:prstGeom>
+            <a:noFill/>
+          </p:spPr>
+          <p:txBody>
+            <a:bodyPr lIns="0" rIns="0" tIns="0" bIns="0" anchorCtr="1" anchor="ctr" wrap="none"/>
+            <a:lstStyle/>
+            <a:p>
+              <a:pPr algn="l" marL="0" marR="0" indent="0">
+                <a:lnSpc>
+                  <a:spcPts val="880"/>
+                </a:lnSpc>
+                <a:spcBef>
+                  <a:spcPts val="0"/>
+                </a:spcBef>
+                <a:spcAft>
+                  <a:spcPts val="0"/>
+                </a:spcAft>
+              </a:pPr>
+              <a:r>
+                <a:rPr sz="880" b="1">
+                  <a:solidFill>
+                    <a:srgbClr val="4D4D4D">
+                      <a:alpha val="100000"/>
+                    </a:srgbClr>
+                  </a:solidFill>
+                  <a:latin typeface="Arial"/>
+                  <a:cs typeface="Arial"/>
+                </a:rPr>
+                <a:t>2</a:t>
+              </a:r>
+            </a:p>
+          </p:txBody>
+        </p:sp>
+        <p:sp>
+          <p:nvSpPr>
+            <p:cNvPr id="86" name="tx86"/>
+            <p:cNvSpPr/>
+            <p:nvPr/>
+          </p:nvSpPr>
+          <p:spPr>
+            <a:xfrm>
+              <a:off x="1988754" y="1683750"/>
+              <a:ext cx="62155" cy="80327"/>
+            </a:xfrm>
+            <a:prstGeom prst="rect">
+              <a:avLst/>
+            </a:prstGeom>
+            <a:noFill/>
+          </p:spPr>
+          <p:txBody>
+            <a:bodyPr lIns="0" rIns="0" tIns="0" bIns="0" anchorCtr="1" anchor="ctr" wrap="none"/>
+            <a:lstStyle/>
+            <a:p>
+              <a:pPr algn="l" marL="0" marR="0" indent="0">
+                <a:lnSpc>
+                  <a:spcPts val="880"/>
+                </a:lnSpc>
+                <a:spcBef>
+                  <a:spcPts val="0"/>
+                </a:spcBef>
+                <a:spcAft>
+                  <a:spcPts val="0"/>
+                </a:spcAft>
+              </a:pPr>
+              <a:r>
+                <a:rPr sz="880" b="1">
+                  <a:solidFill>
+                    <a:srgbClr val="4D4D4D">
+                      <a:alpha val="100000"/>
+                    </a:srgbClr>
+                  </a:solidFill>
+                  <a:latin typeface="Arial"/>
+                  <a:cs typeface="Arial"/>
+                </a:rPr>
+                <a:t>1</a:t>
+              </a:r>
+            </a:p>
+          </p:txBody>
+        </p:sp>
+        <p:sp>
+          <p:nvSpPr>
+            <p:cNvPr id="87" name="pl87"/>
+            <p:cNvSpPr/>
+            <p:nvPr/>
+          </p:nvSpPr>
+          <p:spPr>
+            <a:xfrm>
+              <a:off x="2050910" y="5505467"/>
               <a:ext cx="34794" cy="0"/>
             </a:xfrm>
             <a:custGeom>
@@ -4796,13 +6524,13 @@
         </p:sp>
         <p:sp>
           <p:nvSpPr>
-            <p:cNvPr id="45" name="pl45"/>
-            <p:cNvSpPr/>
-            <p:nvPr/>
-          </p:nvSpPr>
-          <p:spPr>
-            <a:xfrm>
-              <a:off x="3435359" y="4739303"/>
+            <p:cNvPr id="88" name="pl88"/>
+            <p:cNvSpPr/>
+            <p:nvPr/>
+          </p:nvSpPr>
+          <p:spPr>
+            <a:xfrm>
+              <a:off x="2050910" y="5283032"/>
               <a:ext cx="34794" cy="0"/>
             </a:xfrm>
             <a:custGeom>
@@ -4836,13 +6564,13 @@
         </p:sp>
         <p:sp>
           <p:nvSpPr>
-            <p:cNvPr id="46" name="pl46"/>
-            <p:cNvSpPr/>
-            <p:nvPr/>
-          </p:nvSpPr>
-          <p:spPr>
-            <a:xfrm>
-              <a:off x="3435359" y="4177037"/>
+            <p:cNvPr id="89" name="pl89"/>
+            <p:cNvSpPr/>
+            <p:nvPr/>
+          </p:nvSpPr>
+          <p:spPr>
+            <a:xfrm>
+              <a:off x="2050910" y="5060597"/>
               <a:ext cx="34794" cy="0"/>
             </a:xfrm>
             <a:custGeom>
@@ -4876,13 +6604,13 @@
         </p:sp>
         <p:sp>
           <p:nvSpPr>
-            <p:cNvPr id="47" name="pl47"/>
-            <p:cNvSpPr/>
-            <p:nvPr/>
-          </p:nvSpPr>
-          <p:spPr>
-            <a:xfrm>
-              <a:off x="3435359" y="3614772"/>
+            <p:cNvPr id="90" name="pl90"/>
+            <p:cNvSpPr/>
+            <p:nvPr/>
+          </p:nvSpPr>
+          <p:spPr>
+            <a:xfrm>
+              <a:off x="2050910" y="4838163"/>
               <a:ext cx="34794" cy="0"/>
             </a:xfrm>
             <a:custGeom>
@@ -4916,13 +6644,13 @@
         </p:sp>
         <p:sp>
           <p:nvSpPr>
-            <p:cNvPr id="48" name="pl48"/>
-            <p:cNvSpPr/>
-            <p:nvPr/>
-          </p:nvSpPr>
-          <p:spPr>
-            <a:xfrm>
-              <a:off x="3435359" y="3052507"/>
+            <p:cNvPr id="91" name="pl91"/>
+            <p:cNvSpPr/>
+            <p:nvPr/>
+          </p:nvSpPr>
+          <p:spPr>
+            <a:xfrm>
+              <a:off x="2050910" y="4615728"/>
               <a:ext cx="34794" cy="0"/>
             </a:xfrm>
             <a:custGeom>
@@ -4956,13 +6684,13 @@
         </p:sp>
         <p:sp>
           <p:nvSpPr>
-            <p:cNvPr id="49" name="pl49"/>
-            <p:cNvSpPr/>
-            <p:nvPr/>
-          </p:nvSpPr>
-          <p:spPr>
-            <a:xfrm>
-              <a:off x="3435359" y="2490241"/>
+            <p:cNvPr id="92" name="pl92"/>
+            <p:cNvSpPr/>
+            <p:nvPr/>
+          </p:nvSpPr>
+          <p:spPr>
+            <a:xfrm>
+              <a:off x="2050910" y="4393293"/>
               <a:ext cx="34794" cy="0"/>
             </a:xfrm>
             <a:custGeom>
@@ -4996,13 +6724,13 @@
         </p:sp>
         <p:sp>
           <p:nvSpPr>
-            <p:cNvPr id="50" name="pl50"/>
-            <p:cNvSpPr/>
-            <p:nvPr/>
-          </p:nvSpPr>
-          <p:spPr>
-            <a:xfrm>
-              <a:off x="3435359" y="1927976"/>
+            <p:cNvPr id="93" name="pl93"/>
+            <p:cNvSpPr/>
+            <p:nvPr/>
+          </p:nvSpPr>
+          <p:spPr>
+            <a:xfrm>
+              <a:off x="2050910" y="4170859"/>
               <a:ext cx="34794" cy="0"/>
             </a:xfrm>
             <a:custGeom>
@@ -5036,13 +6764,453 @@
         </p:sp>
         <p:sp>
           <p:nvSpPr>
-            <p:cNvPr id="51" name="pl51"/>
-            <p:cNvSpPr/>
-            <p:nvPr/>
-          </p:nvSpPr>
-          <p:spPr>
-            <a:xfrm>
-              <a:off x="3470153" y="5638927"/>
+            <p:cNvPr id="94" name="pl94"/>
+            <p:cNvSpPr/>
+            <p:nvPr/>
+          </p:nvSpPr>
+          <p:spPr>
+            <a:xfrm>
+              <a:off x="2050910" y="3948424"/>
+              <a:ext cx="34794" cy="0"/>
+            </a:xfrm>
+            <a:custGeom>
+              <a:avLst/>
+              <a:pathLst>
+                <a:path w="34794" h="0">
+                  <a:moveTo>
+                    <a:pt x="0" y="0"/>
+                  </a:moveTo>
+                  <a:lnTo>
+                    <a:pt x="34794" y="0"/>
+                  </a:lnTo>
+                </a:path>
+              </a:pathLst>
+            </a:custGeom>
+            <a:ln w="6775" cap="flat">
+              <a:solidFill>
+                <a:srgbClr val="B3B3B3">
+                  <a:alpha val="100000"/>
+                </a:srgbClr>
+              </a:solidFill>
+              <a:prstDash val="solid"/>
+              <a:round/>
+            </a:ln>
+          </p:spPr>
+          <p:txBody>
+            <a:bodyPr/>
+            <a:lstStyle/>
+            <a:p/>
+          </p:txBody>
+        </p:sp>
+        <p:sp>
+          <p:nvSpPr>
+            <p:cNvPr id="95" name="pl95"/>
+            <p:cNvSpPr/>
+            <p:nvPr/>
+          </p:nvSpPr>
+          <p:spPr>
+            <a:xfrm>
+              <a:off x="2050910" y="3725989"/>
+              <a:ext cx="34794" cy="0"/>
+            </a:xfrm>
+            <a:custGeom>
+              <a:avLst/>
+              <a:pathLst>
+                <a:path w="34794" h="0">
+                  <a:moveTo>
+                    <a:pt x="0" y="0"/>
+                  </a:moveTo>
+                  <a:lnTo>
+                    <a:pt x="34794" y="0"/>
+                  </a:lnTo>
+                </a:path>
+              </a:pathLst>
+            </a:custGeom>
+            <a:ln w="6775" cap="flat">
+              <a:solidFill>
+                <a:srgbClr val="B3B3B3">
+                  <a:alpha val="100000"/>
+                </a:srgbClr>
+              </a:solidFill>
+              <a:prstDash val="solid"/>
+              <a:round/>
+            </a:ln>
+          </p:spPr>
+          <p:txBody>
+            <a:bodyPr/>
+            <a:lstStyle/>
+            <a:p/>
+          </p:txBody>
+        </p:sp>
+        <p:sp>
+          <p:nvSpPr>
+            <p:cNvPr id="96" name="pl96"/>
+            <p:cNvSpPr/>
+            <p:nvPr/>
+          </p:nvSpPr>
+          <p:spPr>
+            <a:xfrm>
+              <a:off x="2050910" y="3503555"/>
+              <a:ext cx="34794" cy="0"/>
+            </a:xfrm>
+            <a:custGeom>
+              <a:avLst/>
+              <a:pathLst>
+                <a:path w="34794" h="0">
+                  <a:moveTo>
+                    <a:pt x="0" y="0"/>
+                  </a:moveTo>
+                  <a:lnTo>
+                    <a:pt x="34794" y="0"/>
+                  </a:lnTo>
+                </a:path>
+              </a:pathLst>
+            </a:custGeom>
+            <a:ln w="6775" cap="flat">
+              <a:solidFill>
+                <a:srgbClr val="B3B3B3">
+                  <a:alpha val="100000"/>
+                </a:srgbClr>
+              </a:solidFill>
+              <a:prstDash val="solid"/>
+              <a:round/>
+            </a:ln>
+          </p:spPr>
+          <p:txBody>
+            <a:bodyPr/>
+            <a:lstStyle/>
+            <a:p/>
+          </p:txBody>
+        </p:sp>
+        <p:sp>
+          <p:nvSpPr>
+            <p:cNvPr id="97" name="pl97"/>
+            <p:cNvSpPr/>
+            <p:nvPr/>
+          </p:nvSpPr>
+          <p:spPr>
+            <a:xfrm>
+              <a:off x="2050910" y="3281120"/>
+              <a:ext cx="34794" cy="0"/>
+            </a:xfrm>
+            <a:custGeom>
+              <a:avLst/>
+              <a:pathLst>
+                <a:path w="34794" h="0">
+                  <a:moveTo>
+                    <a:pt x="0" y="0"/>
+                  </a:moveTo>
+                  <a:lnTo>
+                    <a:pt x="34794" y="0"/>
+                  </a:lnTo>
+                </a:path>
+              </a:pathLst>
+            </a:custGeom>
+            <a:ln w="6775" cap="flat">
+              <a:solidFill>
+                <a:srgbClr val="B3B3B3">
+                  <a:alpha val="100000"/>
+                </a:srgbClr>
+              </a:solidFill>
+              <a:prstDash val="solid"/>
+              <a:round/>
+            </a:ln>
+          </p:spPr>
+          <p:txBody>
+            <a:bodyPr/>
+            <a:lstStyle/>
+            <a:p/>
+          </p:txBody>
+        </p:sp>
+        <p:sp>
+          <p:nvSpPr>
+            <p:cNvPr id="98" name="pl98"/>
+            <p:cNvSpPr/>
+            <p:nvPr/>
+          </p:nvSpPr>
+          <p:spPr>
+            <a:xfrm>
+              <a:off x="2050910" y="3058685"/>
+              <a:ext cx="34794" cy="0"/>
+            </a:xfrm>
+            <a:custGeom>
+              <a:avLst/>
+              <a:pathLst>
+                <a:path w="34794" h="0">
+                  <a:moveTo>
+                    <a:pt x="0" y="0"/>
+                  </a:moveTo>
+                  <a:lnTo>
+                    <a:pt x="34794" y="0"/>
+                  </a:lnTo>
+                </a:path>
+              </a:pathLst>
+            </a:custGeom>
+            <a:ln w="6775" cap="flat">
+              <a:solidFill>
+                <a:srgbClr val="B3B3B3">
+                  <a:alpha val="100000"/>
+                </a:srgbClr>
+              </a:solidFill>
+              <a:prstDash val="solid"/>
+              <a:round/>
+            </a:ln>
+          </p:spPr>
+          <p:txBody>
+            <a:bodyPr/>
+            <a:lstStyle/>
+            <a:p/>
+          </p:txBody>
+        </p:sp>
+        <p:sp>
+          <p:nvSpPr>
+            <p:cNvPr id="99" name="pl99"/>
+            <p:cNvSpPr/>
+            <p:nvPr/>
+          </p:nvSpPr>
+          <p:spPr>
+            <a:xfrm>
+              <a:off x="2050910" y="2836251"/>
+              <a:ext cx="34794" cy="0"/>
+            </a:xfrm>
+            <a:custGeom>
+              <a:avLst/>
+              <a:pathLst>
+                <a:path w="34794" h="0">
+                  <a:moveTo>
+                    <a:pt x="0" y="0"/>
+                  </a:moveTo>
+                  <a:lnTo>
+                    <a:pt x="34794" y="0"/>
+                  </a:lnTo>
+                </a:path>
+              </a:pathLst>
+            </a:custGeom>
+            <a:ln w="6775" cap="flat">
+              <a:solidFill>
+                <a:srgbClr val="B3B3B3">
+                  <a:alpha val="100000"/>
+                </a:srgbClr>
+              </a:solidFill>
+              <a:prstDash val="solid"/>
+              <a:round/>
+            </a:ln>
+          </p:spPr>
+          <p:txBody>
+            <a:bodyPr/>
+            <a:lstStyle/>
+            <a:p/>
+          </p:txBody>
+        </p:sp>
+        <p:sp>
+          <p:nvSpPr>
+            <p:cNvPr id="100" name="pl100"/>
+            <p:cNvSpPr/>
+            <p:nvPr/>
+          </p:nvSpPr>
+          <p:spPr>
+            <a:xfrm>
+              <a:off x="2050910" y="2613816"/>
+              <a:ext cx="34794" cy="0"/>
+            </a:xfrm>
+            <a:custGeom>
+              <a:avLst/>
+              <a:pathLst>
+                <a:path w="34794" h="0">
+                  <a:moveTo>
+                    <a:pt x="0" y="0"/>
+                  </a:moveTo>
+                  <a:lnTo>
+                    <a:pt x="34794" y="0"/>
+                  </a:lnTo>
+                </a:path>
+              </a:pathLst>
+            </a:custGeom>
+            <a:ln w="6775" cap="flat">
+              <a:solidFill>
+                <a:srgbClr val="B3B3B3">
+                  <a:alpha val="100000"/>
+                </a:srgbClr>
+              </a:solidFill>
+              <a:prstDash val="solid"/>
+              <a:round/>
+            </a:ln>
+          </p:spPr>
+          <p:txBody>
+            <a:bodyPr/>
+            <a:lstStyle/>
+            <a:p/>
+          </p:txBody>
+        </p:sp>
+        <p:sp>
+          <p:nvSpPr>
+            <p:cNvPr id="101" name="pl101"/>
+            <p:cNvSpPr/>
+            <p:nvPr/>
+          </p:nvSpPr>
+          <p:spPr>
+            <a:xfrm>
+              <a:off x="2050910" y="2391381"/>
+              <a:ext cx="34794" cy="0"/>
+            </a:xfrm>
+            <a:custGeom>
+              <a:avLst/>
+              <a:pathLst>
+                <a:path w="34794" h="0">
+                  <a:moveTo>
+                    <a:pt x="0" y="0"/>
+                  </a:moveTo>
+                  <a:lnTo>
+                    <a:pt x="34794" y="0"/>
+                  </a:lnTo>
+                </a:path>
+              </a:pathLst>
+            </a:custGeom>
+            <a:ln w="6775" cap="flat">
+              <a:solidFill>
+                <a:srgbClr val="B3B3B3">
+                  <a:alpha val="100000"/>
+                </a:srgbClr>
+              </a:solidFill>
+              <a:prstDash val="solid"/>
+              <a:round/>
+            </a:ln>
+          </p:spPr>
+          <p:txBody>
+            <a:bodyPr/>
+            <a:lstStyle/>
+            <a:p/>
+          </p:txBody>
+        </p:sp>
+        <p:sp>
+          <p:nvSpPr>
+            <p:cNvPr id="102" name="pl102"/>
+            <p:cNvSpPr/>
+            <p:nvPr/>
+          </p:nvSpPr>
+          <p:spPr>
+            <a:xfrm>
+              <a:off x="2050910" y="2168947"/>
+              <a:ext cx="34794" cy="0"/>
+            </a:xfrm>
+            <a:custGeom>
+              <a:avLst/>
+              <a:pathLst>
+                <a:path w="34794" h="0">
+                  <a:moveTo>
+                    <a:pt x="0" y="0"/>
+                  </a:moveTo>
+                  <a:lnTo>
+                    <a:pt x="34794" y="0"/>
+                  </a:lnTo>
+                </a:path>
+              </a:pathLst>
+            </a:custGeom>
+            <a:ln w="6775" cap="flat">
+              <a:solidFill>
+                <a:srgbClr val="B3B3B3">
+                  <a:alpha val="100000"/>
+                </a:srgbClr>
+              </a:solidFill>
+              <a:prstDash val="solid"/>
+              <a:round/>
+            </a:ln>
+          </p:spPr>
+          <p:txBody>
+            <a:bodyPr/>
+            <a:lstStyle/>
+            <a:p/>
+          </p:txBody>
+        </p:sp>
+        <p:sp>
+          <p:nvSpPr>
+            <p:cNvPr id="103" name="pl103"/>
+            <p:cNvSpPr/>
+            <p:nvPr/>
+          </p:nvSpPr>
+          <p:spPr>
+            <a:xfrm>
+              <a:off x="2050910" y="1946512"/>
+              <a:ext cx="34794" cy="0"/>
+            </a:xfrm>
+            <a:custGeom>
+              <a:avLst/>
+              <a:pathLst>
+                <a:path w="34794" h="0">
+                  <a:moveTo>
+                    <a:pt x="0" y="0"/>
+                  </a:moveTo>
+                  <a:lnTo>
+                    <a:pt x="34794" y="0"/>
+                  </a:lnTo>
+                </a:path>
+              </a:pathLst>
+            </a:custGeom>
+            <a:ln w="6775" cap="flat">
+              <a:solidFill>
+                <a:srgbClr val="B3B3B3">
+                  <a:alpha val="100000"/>
+                </a:srgbClr>
+              </a:solidFill>
+              <a:prstDash val="solid"/>
+              <a:round/>
+            </a:ln>
+          </p:spPr>
+          <p:txBody>
+            <a:bodyPr/>
+            <a:lstStyle/>
+            <a:p/>
+          </p:txBody>
+        </p:sp>
+        <p:sp>
+          <p:nvSpPr>
+            <p:cNvPr id="104" name="pl104"/>
+            <p:cNvSpPr/>
+            <p:nvPr/>
+          </p:nvSpPr>
+          <p:spPr>
+            <a:xfrm>
+              <a:off x="2050910" y="1724078"/>
+              <a:ext cx="34794" cy="0"/>
+            </a:xfrm>
+            <a:custGeom>
+              <a:avLst/>
+              <a:pathLst>
+                <a:path w="34794" h="0">
+                  <a:moveTo>
+                    <a:pt x="0" y="0"/>
+                  </a:moveTo>
+                  <a:lnTo>
+                    <a:pt x="34794" y="0"/>
+                  </a:lnTo>
+                </a:path>
+              </a:pathLst>
+            </a:custGeom>
+            <a:ln w="6775" cap="flat">
+              <a:solidFill>
+                <a:srgbClr val="B3B3B3">
+                  <a:alpha val="100000"/>
+                </a:srgbClr>
+              </a:solidFill>
+              <a:prstDash val="solid"/>
+              <a:round/>
+            </a:ln>
+          </p:spPr>
+          <p:txBody>
+            <a:bodyPr/>
+            <a:lstStyle/>
+            <a:p/>
+          </p:txBody>
+        </p:sp>
+        <p:sp>
+          <p:nvSpPr>
+            <p:cNvPr id="105" name="pl105"/>
+            <p:cNvSpPr/>
+            <p:nvPr/>
+          </p:nvSpPr>
+          <p:spPr>
+            <a:xfrm>
+              <a:off x="2085704" y="5638927"/>
               <a:ext cx="0" cy="34794"/>
             </a:xfrm>
             <a:custGeom>
@@ -5076,13 +7244,13 @@
         </p:sp>
         <p:sp>
           <p:nvSpPr>
-            <p:cNvPr id="52" name="pl52"/>
-            <p:cNvSpPr/>
-            <p:nvPr/>
-          </p:nvSpPr>
-          <p:spPr>
-            <a:xfrm>
-              <a:off x="4758553" y="5638927"/>
+            <p:cNvPr id="106" name="pl106"/>
+            <p:cNvSpPr/>
+            <p:nvPr/>
+          </p:nvSpPr>
+          <p:spPr>
+            <a:xfrm>
+              <a:off x="3974638" y="5638927"/>
               <a:ext cx="0" cy="34794"/>
             </a:xfrm>
             <a:custGeom>
@@ -5116,13 +7284,13 @@
         </p:sp>
         <p:sp>
           <p:nvSpPr>
-            <p:cNvPr id="53" name="pl53"/>
-            <p:cNvSpPr/>
-            <p:nvPr/>
-          </p:nvSpPr>
-          <p:spPr>
-            <a:xfrm>
-              <a:off x="6046953" y="5638927"/>
+            <p:cNvPr id="107" name="pl107"/>
+            <p:cNvSpPr/>
+            <p:nvPr/>
+          </p:nvSpPr>
+          <p:spPr>
+            <a:xfrm>
+              <a:off x="5863571" y="5638927"/>
               <a:ext cx="0" cy="34794"/>
             </a:xfrm>
             <a:custGeom>
@@ -5156,13 +7324,13 @@
         </p:sp>
         <p:sp>
           <p:nvSpPr>
-            <p:cNvPr id="54" name="pl54"/>
-            <p:cNvSpPr/>
-            <p:nvPr/>
-          </p:nvSpPr>
-          <p:spPr>
-            <a:xfrm>
-              <a:off x="7335353" y="5638927"/>
+            <p:cNvPr id="108" name="pl108"/>
+            <p:cNvSpPr/>
+            <p:nvPr/>
+          </p:nvSpPr>
+          <p:spPr>
+            <a:xfrm>
+              <a:off x="7752504" y="5638927"/>
               <a:ext cx="0" cy="34794"/>
             </a:xfrm>
             <a:custGeom>
@@ -5196,53 +7364,13 @@
         </p:sp>
         <p:sp>
           <p:nvSpPr>
-            <p:cNvPr id="55" name="pl55"/>
-            <p:cNvSpPr/>
-            <p:nvPr/>
-          </p:nvSpPr>
-          <p:spPr>
-            <a:xfrm>
-              <a:off x="8623753" y="5638927"/>
-              <a:ext cx="0" cy="34794"/>
-            </a:xfrm>
-            <a:custGeom>
-              <a:avLst/>
-              <a:pathLst>
-                <a:path w="0" h="34794">
-                  <a:moveTo>
-                    <a:pt x="0" y="34794"/>
-                  </a:moveTo>
-                  <a:lnTo>
-                    <a:pt x="0" y="0"/>
-                  </a:lnTo>
-                </a:path>
-              </a:pathLst>
-            </a:custGeom>
-            <a:ln w="6775" cap="flat">
-              <a:solidFill>
-                <a:srgbClr val="B3B3B3">
-                  <a:alpha val="100000"/>
-                </a:srgbClr>
-              </a:solidFill>
-              <a:prstDash val="solid"/>
-              <a:round/>
-            </a:ln>
-          </p:spPr>
-          <p:txBody>
-            <a:bodyPr/>
-            <a:lstStyle/>
-            <a:p/>
-          </p:txBody>
-        </p:sp>
-        <p:sp>
-          <p:nvSpPr>
-            <p:cNvPr id="56" name="tx56"/>
-            <p:cNvSpPr/>
-            <p:nvPr/>
-          </p:nvSpPr>
-          <p:spPr>
-            <a:xfrm>
-              <a:off x="3439075" y="5699866"/>
+            <p:cNvPr id="109" name="tx109"/>
+            <p:cNvSpPr/>
+            <p:nvPr/>
+          </p:nvSpPr>
+          <p:spPr>
+            <a:xfrm>
+              <a:off x="2054627" y="5699866"/>
               <a:ext cx="62155" cy="81691"/>
             </a:xfrm>
             <a:prstGeom prst="rect">
@@ -5282,13 +7410,13 @@
         </p:sp>
         <p:sp>
           <p:nvSpPr>
-            <p:cNvPr id="57" name="tx57"/>
-            <p:cNvSpPr/>
-            <p:nvPr/>
-          </p:nvSpPr>
-          <p:spPr>
-            <a:xfrm>
-              <a:off x="4665320" y="5699866"/>
+            <p:cNvPr id="110" name="tx110"/>
+            <p:cNvSpPr/>
+            <p:nvPr/>
+          </p:nvSpPr>
+          <p:spPr>
+            <a:xfrm>
+              <a:off x="3881404" y="5699866"/>
               <a:ext cx="186466" cy="81691"/>
             </a:xfrm>
             <a:prstGeom prst="rect">
@@ -5321,20 +7449,20 @@
                   <a:latin typeface="Arial"/>
                   <a:cs typeface="Arial"/>
                 </a:rPr>
-                <a:t>200</a:t>
+                <a:t>250</a:t>
               </a:r>
             </a:p>
           </p:txBody>
         </p:sp>
         <p:sp>
           <p:nvSpPr>
-            <p:cNvPr id="58" name="tx58"/>
-            <p:cNvSpPr/>
-            <p:nvPr/>
-          </p:nvSpPr>
-          <p:spPr>
-            <a:xfrm>
-              <a:off x="5953720" y="5699866"/>
+            <p:cNvPr id="111" name="tx111"/>
+            <p:cNvSpPr/>
+            <p:nvPr/>
+          </p:nvSpPr>
+          <p:spPr>
+            <a:xfrm>
+              <a:off x="5770337" y="5699866"/>
               <a:ext cx="186466" cy="81691"/>
             </a:xfrm>
             <a:prstGeom prst="rect">
@@ -5367,20 +7495,20 @@
                   <a:latin typeface="Arial"/>
                   <a:cs typeface="Arial"/>
                 </a:rPr>
-                <a:t>400</a:t>
+                <a:t>500</a:t>
               </a:r>
             </a:p>
           </p:txBody>
         </p:sp>
         <p:sp>
           <p:nvSpPr>
-            <p:cNvPr id="59" name="tx59"/>
-            <p:cNvSpPr/>
-            <p:nvPr/>
-          </p:nvSpPr>
-          <p:spPr>
-            <a:xfrm>
-              <a:off x="7242120" y="5699866"/>
+            <p:cNvPr id="112" name="tx112"/>
+            <p:cNvSpPr/>
+            <p:nvPr/>
+          </p:nvSpPr>
+          <p:spPr>
+            <a:xfrm>
+              <a:off x="7659271" y="5699866"/>
               <a:ext cx="186466" cy="81691"/>
             </a:xfrm>
             <a:prstGeom prst="rect">
@@ -5413,53 +7541,7 @@
                   <a:latin typeface="Arial"/>
                   <a:cs typeface="Arial"/>
                 </a:rPr>
-                <a:t>600</a:t>
-              </a:r>
-            </a:p>
-          </p:txBody>
-        </p:sp>
-        <p:sp>
-          <p:nvSpPr>
-            <p:cNvPr id="60" name="tx60"/>
-            <p:cNvSpPr/>
-            <p:nvPr/>
-          </p:nvSpPr>
-          <p:spPr>
-            <a:xfrm>
-              <a:off x="8530520" y="5699866"/>
-              <a:ext cx="186466" cy="81691"/>
-            </a:xfrm>
-            <a:prstGeom prst="rect">
-              <a:avLst/>
-            </a:prstGeom>
-            <a:noFill/>
-          </p:spPr>
-          <p:txBody>
-            <a:bodyPr lIns="0" rIns="0" tIns="0" bIns="0" anchorCtr="1" anchor="ctr" wrap="none"/>
-            <a:lstStyle/>
-            <a:p>
-              <a:pPr algn="l" marL="0" marR="0" indent="0">
-                <a:lnSpc>
-                  <a:spcPts val="880"/>
-                </a:lnSpc>
-                <a:spcBef>
-                  <a:spcPts val="0"/>
-                </a:spcBef>
-                <a:spcAft>
-                  <a:spcPts val="0"/>
-                </a:spcAft>
-              </a:pPr>
-              <a:r>
-                <a:rPr sz="880">
-                  <a:solidFill>
-                    <a:srgbClr val="4D4D4D">
-                      <a:alpha val="100000"/>
-                    </a:srgbClr>
-                  </a:solidFill>
-                  <a:latin typeface="Arial"/>
-                  <a:cs typeface="Arial"/>
-                </a:rPr>
-                <a:t>800</a:t>
+                <a:t>750</a:t>
               </a:r>
             </a:p>
           </p:txBody>
